--- a/presentation/DM_Presentation.pptx
+++ b/presentation/DM_Presentation.pptx
@@ -10,13 +10,16 @@
     <p:sldId id="258" r:id="rId4"/>
     <p:sldId id="259" r:id="rId5"/>
     <p:sldId id="260" r:id="rId6"/>
-    <p:sldId id="261" r:id="rId7"/>
-    <p:sldId id="262" r:id="rId8"/>
-    <p:sldId id="263" r:id="rId9"/>
-    <p:sldId id="264" r:id="rId10"/>
-    <p:sldId id="265" r:id="rId11"/>
-    <p:sldId id="266" r:id="rId12"/>
-    <p:sldId id="267" r:id="rId13"/>
+    <p:sldId id="268" r:id="rId7"/>
+    <p:sldId id="269" r:id="rId8"/>
+    <p:sldId id="270" r:id="rId9"/>
+    <p:sldId id="261" r:id="rId10"/>
+    <p:sldId id="262" r:id="rId11"/>
+    <p:sldId id="263" r:id="rId12"/>
+    <p:sldId id="264" r:id="rId13"/>
+    <p:sldId id="265" r:id="rId14"/>
+    <p:sldId id="266" r:id="rId15"/>
+    <p:sldId id="267" r:id="rId16"/>
   </p:sldIdLst>
   <p:sldSz cx="12192000" cy="6858000"/>
   <p:notesSz cx="6858000" cy="9144000"/>
@@ -115,7 +118,303 @@
       </a:defRPr>
     </a:lvl9pPr>
   </p:defaultTextStyle>
+  <p:extLst>
+    <p:ext uri="{EFAFB233-063F-42B5-8137-9DF3F51BA10A}">
+      <p15:sldGuideLst xmlns:p15="http://schemas.microsoft.com/office/powerpoint/2012/main"/>
+    </p:ext>
+  </p:extLst>
 </p:presentation>
+</file>
+
+<file path=ppt/revisionInfo.xml><?xml version="1.0" encoding="utf-8"?>
+<p1510:revInfo xmlns:a="http://schemas.openxmlformats.org/drawingml/2006/main" xmlns:r="http://schemas.openxmlformats.org/officeDocument/2006/relationships" xmlns:p1510="http://schemas.microsoft.com/office/powerpoint/2015/10/main">
+  <p1510:revLst>
+    <p1510:client id="{9DFAE389-2C44-4AAC-8568-3226090E04E3}" v="69" dt="2025-07-28T10:38:15.805"/>
+  </p1510:revLst>
+</p1510:revInfo>
+</file>
+
+<file path=ppt/changesInfos/changesInfo1.xml><?xml version="1.0" encoding="utf-8"?>
+<pc:chgInfo xmlns:a="http://schemas.openxmlformats.org/drawingml/2006/main" xmlns:r="http://schemas.openxmlformats.org/officeDocument/2006/relationships" xmlns:ac="http://schemas.microsoft.com/office/drawing/2013/main/command" xmlns:pc="http://schemas.microsoft.com/office/powerpoint/2013/main/command">
+  <pc:docChgLst>
+    <pc:chgData name="sahar khanlari" userId="7085ee7d37d5c2dd" providerId="LiveId" clId="{9DFAE389-2C44-4AAC-8568-3226090E04E3}"/>
+    <pc:docChg chg="undo custSel addSld delSld modSld">
+      <pc:chgData name="sahar khanlari" userId="7085ee7d37d5c2dd" providerId="LiveId" clId="{9DFAE389-2C44-4AAC-8568-3226090E04E3}" dt="2025-07-28T10:48:44.819" v="413" actId="1076"/>
+      <pc:docMkLst>
+        <pc:docMk/>
+      </pc:docMkLst>
+      <pc:sldChg chg="modSp">
+        <pc:chgData name="sahar khanlari" userId="7085ee7d37d5c2dd" providerId="LiveId" clId="{9DFAE389-2C44-4AAC-8568-3226090E04E3}" dt="2025-07-28T10:11:31.473" v="40" actId="20577"/>
+        <pc:sldMkLst>
+          <pc:docMk/>
+          <pc:sldMk cId="1796858058" sldId="260"/>
+        </pc:sldMkLst>
+        <pc:graphicFrameChg chg="mod">
+          <ac:chgData name="sahar khanlari" userId="7085ee7d37d5c2dd" providerId="LiveId" clId="{9DFAE389-2C44-4AAC-8568-3226090E04E3}" dt="2025-07-28T10:11:31.473" v="40" actId="20577"/>
+          <ac:graphicFrameMkLst>
+            <pc:docMk/>
+            <pc:sldMk cId="1796858058" sldId="260"/>
+            <ac:graphicFrameMk id="8" creationId="{009C74C1-7F6E-D2FC-E0AA-2F37A3879958}"/>
+          </ac:graphicFrameMkLst>
+        </pc:graphicFrameChg>
+      </pc:sldChg>
+      <pc:sldChg chg="modSp mod">
+        <pc:chgData name="sahar khanlari" userId="7085ee7d37d5c2dd" providerId="LiveId" clId="{9DFAE389-2C44-4AAC-8568-3226090E04E3}" dt="2025-07-28T10:12:31.577" v="48" actId="20577"/>
+        <pc:sldMkLst>
+          <pc:docMk/>
+          <pc:sldMk cId="2180163892" sldId="261"/>
+        </pc:sldMkLst>
+        <pc:spChg chg="mod">
+          <ac:chgData name="sahar khanlari" userId="7085ee7d37d5c2dd" providerId="LiveId" clId="{9DFAE389-2C44-4AAC-8568-3226090E04E3}" dt="2025-07-28T10:12:31.577" v="48" actId="20577"/>
+          <ac:spMkLst>
+            <pc:docMk/>
+            <pc:sldMk cId="2180163892" sldId="261"/>
+            <ac:spMk id="3" creationId="{41CB5143-298E-EF02-E8D7-D404BCB8C024}"/>
+          </ac:spMkLst>
+        </pc:spChg>
+      </pc:sldChg>
+      <pc:sldChg chg="modSp mod">
+        <pc:chgData name="sahar khanlari" userId="7085ee7d37d5c2dd" providerId="LiveId" clId="{9DFAE389-2C44-4AAC-8568-3226090E04E3}" dt="2025-07-28T10:13:06.652" v="54" actId="20577"/>
+        <pc:sldMkLst>
+          <pc:docMk/>
+          <pc:sldMk cId="2669818620" sldId="262"/>
+        </pc:sldMkLst>
+        <pc:spChg chg="mod">
+          <ac:chgData name="sahar khanlari" userId="7085ee7d37d5c2dd" providerId="LiveId" clId="{9DFAE389-2C44-4AAC-8568-3226090E04E3}" dt="2025-07-28T10:13:06.652" v="54" actId="20577"/>
+          <ac:spMkLst>
+            <pc:docMk/>
+            <pc:sldMk cId="2669818620" sldId="262"/>
+            <ac:spMk id="3" creationId="{50FB1127-E6C0-6D8F-A4EC-51A960CDC8DE}"/>
+          </ac:spMkLst>
+        </pc:spChg>
+      </pc:sldChg>
+      <pc:sldChg chg="modSp mod">
+        <pc:chgData name="sahar khanlari" userId="7085ee7d37d5c2dd" providerId="LiveId" clId="{9DFAE389-2C44-4AAC-8568-3226090E04E3}" dt="2025-07-28T10:13:45.003" v="70" actId="20577"/>
+        <pc:sldMkLst>
+          <pc:docMk/>
+          <pc:sldMk cId="907266164" sldId="263"/>
+        </pc:sldMkLst>
+        <pc:spChg chg="mod">
+          <ac:chgData name="sahar khanlari" userId="7085ee7d37d5c2dd" providerId="LiveId" clId="{9DFAE389-2C44-4AAC-8568-3226090E04E3}" dt="2025-07-28T10:13:45.003" v="70" actId="20577"/>
+          <ac:spMkLst>
+            <pc:docMk/>
+            <pc:sldMk cId="907266164" sldId="263"/>
+            <ac:spMk id="3" creationId="{CB623AED-7A2A-29BD-D52E-E3881AFB0988}"/>
+          </ac:spMkLst>
+        </pc:spChg>
+      </pc:sldChg>
+      <pc:sldChg chg="modSp mod">
+        <pc:chgData name="sahar khanlari" userId="7085ee7d37d5c2dd" providerId="LiveId" clId="{9DFAE389-2C44-4AAC-8568-3226090E04E3}" dt="2025-07-28T10:13:23.839" v="64" actId="20577"/>
+        <pc:sldMkLst>
+          <pc:docMk/>
+          <pc:sldMk cId="50167360" sldId="264"/>
+        </pc:sldMkLst>
+        <pc:spChg chg="mod">
+          <ac:chgData name="sahar khanlari" userId="7085ee7d37d5c2dd" providerId="LiveId" clId="{9DFAE389-2C44-4AAC-8568-3226090E04E3}" dt="2025-07-28T10:13:23.839" v="64" actId="20577"/>
+          <ac:spMkLst>
+            <pc:docMk/>
+            <pc:sldMk cId="50167360" sldId="264"/>
+            <ac:spMk id="3" creationId="{DA5B0B6E-6288-4CBA-B585-524CE15BAE4F}"/>
+          </ac:spMkLst>
+        </pc:spChg>
+      </pc:sldChg>
+      <pc:sldChg chg="addSp modSp mod">
+        <pc:chgData name="sahar khanlari" userId="7085ee7d37d5c2dd" providerId="LiveId" clId="{9DFAE389-2C44-4AAC-8568-3226090E04E3}" dt="2025-07-28T10:36:54.937" v="355"/>
+        <pc:sldMkLst>
+          <pc:docMk/>
+          <pc:sldMk cId="2834375731" sldId="265"/>
+        </pc:sldMkLst>
+        <pc:spChg chg="add mod">
+          <ac:chgData name="sahar khanlari" userId="7085ee7d37d5c2dd" providerId="LiveId" clId="{9DFAE389-2C44-4AAC-8568-3226090E04E3}" dt="2025-07-28T10:31:00.737" v="321" actId="113"/>
+          <ac:spMkLst>
+            <pc:docMk/>
+            <pc:sldMk cId="2834375731" sldId="265"/>
+            <ac:spMk id="6" creationId="{A44D7AB2-622D-2D78-4BBE-C4C0F28EF81B}"/>
+          </ac:spMkLst>
+        </pc:spChg>
+        <pc:graphicFrameChg chg="mod modGraphic">
+          <ac:chgData name="sahar khanlari" userId="7085ee7d37d5c2dd" providerId="LiveId" clId="{9DFAE389-2C44-4AAC-8568-3226090E04E3}" dt="2025-07-28T10:36:54.937" v="355"/>
+          <ac:graphicFrameMkLst>
+            <pc:docMk/>
+            <pc:sldMk cId="2834375731" sldId="265"/>
+            <ac:graphicFrameMk id="4" creationId="{958BEA15-09CA-2F52-FF95-8A6B9D6D062F}"/>
+          </ac:graphicFrameMkLst>
+        </pc:graphicFrameChg>
+      </pc:sldChg>
+      <pc:sldChg chg="modSp mod">
+        <pc:chgData name="sahar khanlari" userId="7085ee7d37d5c2dd" providerId="LiveId" clId="{9DFAE389-2C44-4AAC-8568-3226090E04E3}" dt="2025-07-28T10:48:44.819" v="413" actId="1076"/>
+        <pc:sldMkLst>
+          <pc:docMk/>
+          <pc:sldMk cId="4002868272" sldId="266"/>
+        </pc:sldMkLst>
+        <pc:spChg chg="mod">
+          <ac:chgData name="sahar khanlari" userId="7085ee7d37d5c2dd" providerId="LiveId" clId="{9DFAE389-2C44-4AAC-8568-3226090E04E3}" dt="2025-07-28T10:48:14.044" v="412" actId="20577"/>
+          <ac:spMkLst>
+            <pc:docMk/>
+            <pc:sldMk cId="4002868272" sldId="266"/>
+            <ac:spMk id="3" creationId="{CD59808B-DA20-39B3-4A02-857E5A821AC5}"/>
+          </ac:spMkLst>
+        </pc:spChg>
+        <pc:picChg chg="mod">
+          <ac:chgData name="sahar khanlari" userId="7085ee7d37d5c2dd" providerId="LiveId" clId="{9DFAE389-2C44-4AAC-8568-3226090E04E3}" dt="2025-07-28T10:48:44.819" v="413" actId="1076"/>
+          <ac:picMkLst>
+            <pc:docMk/>
+            <pc:sldMk cId="4002868272" sldId="266"/>
+            <ac:picMk id="4" creationId="{B59A93C1-DC9E-46B5-015F-C5C83554BACF}"/>
+          </ac:picMkLst>
+        </pc:picChg>
+      </pc:sldChg>
+      <pc:sldChg chg="addSp delSp modSp add mod">
+        <pc:chgData name="sahar khanlari" userId="7085ee7d37d5c2dd" providerId="LiveId" clId="{9DFAE389-2C44-4AAC-8568-3226090E04E3}" dt="2025-07-28T10:21:17.534" v="187" actId="20577"/>
+        <pc:sldMkLst>
+          <pc:docMk/>
+          <pc:sldMk cId="2638919799" sldId="268"/>
+        </pc:sldMkLst>
+        <pc:spChg chg="mod">
+          <ac:chgData name="sahar khanlari" userId="7085ee7d37d5c2dd" providerId="LiveId" clId="{9DFAE389-2C44-4AAC-8568-3226090E04E3}" dt="2025-07-28T10:19:25.455" v="177" actId="20577"/>
+          <ac:spMkLst>
+            <pc:docMk/>
+            <pc:sldMk cId="2638919799" sldId="268"/>
+            <ac:spMk id="2" creationId="{43B3B32B-ABB5-A8F9-C4E7-AC611465BA44}"/>
+          </ac:spMkLst>
+        </pc:spChg>
+        <pc:spChg chg="add del mod">
+          <ac:chgData name="sahar khanlari" userId="7085ee7d37d5c2dd" providerId="LiveId" clId="{9DFAE389-2C44-4AAC-8568-3226090E04E3}" dt="2025-07-28T10:21:17.534" v="187" actId="20577"/>
+          <ac:spMkLst>
+            <pc:docMk/>
+            <pc:sldMk cId="2638919799" sldId="268"/>
+            <ac:spMk id="4" creationId="{C961CC5B-CDDA-BD89-2B5D-9FD4A872A5A5}"/>
+          </ac:spMkLst>
+        </pc:spChg>
+        <pc:spChg chg="add mod">
+          <ac:chgData name="sahar khanlari" userId="7085ee7d37d5c2dd" providerId="LiveId" clId="{9DFAE389-2C44-4AAC-8568-3226090E04E3}" dt="2025-07-28T10:21:10.311" v="184"/>
+          <ac:spMkLst>
+            <pc:docMk/>
+            <pc:sldMk cId="2638919799" sldId="268"/>
+            <ac:spMk id="5" creationId="{0B16FEA4-2AAD-053D-F784-DE4A981145E3}"/>
+          </ac:spMkLst>
+        </pc:spChg>
+        <pc:graphicFrameChg chg="del mod">
+          <ac:chgData name="sahar khanlari" userId="7085ee7d37d5c2dd" providerId="LiveId" clId="{9DFAE389-2C44-4AAC-8568-3226090E04E3}" dt="2025-07-28T10:20:49.944" v="182" actId="21"/>
+          <ac:graphicFrameMkLst>
+            <pc:docMk/>
+            <pc:sldMk cId="2638919799" sldId="268"/>
+            <ac:graphicFrameMk id="8" creationId="{A185538D-C6DB-D910-1354-F441BEF76711}"/>
+          </ac:graphicFrameMkLst>
+        </pc:graphicFrameChg>
+      </pc:sldChg>
+      <pc:sldChg chg="addSp delSp modSp add mod">
+        <pc:chgData name="sahar khanlari" userId="7085ee7d37d5c2dd" providerId="LiveId" clId="{9DFAE389-2C44-4AAC-8568-3226090E04E3}" dt="2025-07-28T10:44:57.173" v="403" actId="20577"/>
+        <pc:sldMkLst>
+          <pc:docMk/>
+          <pc:sldMk cId="869821159" sldId="269"/>
+        </pc:sldMkLst>
+        <pc:spChg chg="mod">
+          <ac:chgData name="sahar khanlari" userId="7085ee7d37d5c2dd" providerId="LiveId" clId="{9DFAE389-2C44-4AAC-8568-3226090E04E3}" dt="2025-07-28T10:22:09.865" v="190"/>
+          <ac:spMkLst>
+            <pc:docMk/>
+            <pc:sldMk cId="869821159" sldId="269"/>
+            <ac:spMk id="2" creationId="{6928D4BF-C20D-D50C-8D1F-228540A557CB}"/>
+          </ac:spMkLst>
+        </pc:spChg>
+        <pc:spChg chg="add del mod">
+          <ac:chgData name="sahar khanlari" userId="7085ee7d37d5c2dd" providerId="LiveId" clId="{9DFAE389-2C44-4AAC-8568-3226090E04E3}" dt="2025-07-28T10:28:05.250" v="296" actId="21"/>
+          <ac:spMkLst>
+            <pc:docMk/>
+            <pc:sldMk cId="869821159" sldId="269"/>
+            <ac:spMk id="3" creationId="{49BE02E2-A03E-752B-A60E-F3EEA2E3BD01}"/>
+          </ac:spMkLst>
+        </pc:spChg>
+        <pc:spChg chg="mod">
+          <ac:chgData name="sahar khanlari" userId="7085ee7d37d5c2dd" providerId="LiveId" clId="{9DFAE389-2C44-4AAC-8568-3226090E04E3}" dt="2025-07-28T10:44:57.173" v="403" actId="20577"/>
+          <ac:spMkLst>
+            <pc:docMk/>
+            <pc:sldMk cId="869821159" sldId="269"/>
+            <ac:spMk id="4" creationId="{CFF886F5-31B8-7001-354A-7F6EDF932E09}"/>
+          </ac:spMkLst>
+        </pc:spChg>
+      </pc:sldChg>
+      <pc:sldChg chg="modSp add del mod">
+        <pc:chgData name="sahar khanlari" userId="7085ee7d37d5c2dd" providerId="LiveId" clId="{9DFAE389-2C44-4AAC-8568-3226090E04E3}" dt="2025-07-28T10:29:54.318" v="310" actId="2696"/>
+        <pc:sldMkLst>
+          <pc:docMk/>
+          <pc:sldMk cId="2025829740" sldId="270"/>
+        </pc:sldMkLst>
+        <pc:spChg chg="mod">
+          <ac:chgData name="sahar khanlari" userId="7085ee7d37d5c2dd" providerId="LiveId" clId="{9DFAE389-2C44-4AAC-8568-3226090E04E3}" dt="2025-07-28T10:29:29.455" v="309" actId="21"/>
+          <ac:spMkLst>
+            <pc:docMk/>
+            <pc:sldMk cId="2025829740" sldId="270"/>
+            <ac:spMk id="4" creationId="{FF35C40F-5049-CDC0-274F-BD9516252ED5}"/>
+          </ac:spMkLst>
+        </pc:spChg>
+      </pc:sldChg>
+      <pc:sldChg chg="addSp delSp modSp add mod">
+        <pc:chgData name="sahar khanlari" userId="7085ee7d37d5c2dd" providerId="LiveId" clId="{9DFAE389-2C44-4AAC-8568-3226090E04E3}" dt="2025-07-28T10:46:56.061" v="406" actId="20577"/>
+        <pc:sldMkLst>
+          <pc:docMk/>
+          <pc:sldMk cId="2771293663" sldId="270"/>
+        </pc:sldMkLst>
+        <pc:spChg chg="mod">
+          <ac:chgData name="sahar khanlari" userId="7085ee7d37d5c2dd" providerId="LiveId" clId="{9DFAE389-2C44-4AAC-8568-3226090E04E3}" dt="2025-07-28T10:38:21.539" v="378" actId="20577"/>
+          <ac:spMkLst>
+            <pc:docMk/>
+            <pc:sldMk cId="2771293663" sldId="270"/>
+            <ac:spMk id="2" creationId="{2F404031-D4F2-2D34-5165-373A3421B803}"/>
+          </ac:spMkLst>
+        </pc:spChg>
+        <pc:spChg chg="del mod">
+          <ac:chgData name="sahar khanlari" userId="7085ee7d37d5c2dd" providerId="LiveId" clId="{9DFAE389-2C44-4AAC-8568-3226090E04E3}" dt="2025-07-28T10:33:58.556" v="325"/>
+          <ac:spMkLst>
+            <pc:docMk/>
+            <pc:sldMk cId="2771293663" sldId="270"/>
+            <ac:spMk id="4" creationId="{FDB21E88-D287-67A7-366E-CAC755088187}"/>
+          </ac:spMkLst>
+        </pc:spChg>
+        <pc:spChg chg="add del mod">
+          <ac:chgData name="sahar khanlari" userId="7085ee7d37d5c2dd" providerId="LiveId" clId="{9DFAE389-2C44-4AAC-8568-3226090E04E3}" dt="2025-07-28T10:35:41.005" v="340" actId="21"/>
+          <ac:spMkLst>
+            <pc:docMk/>
+            <pc:sldMk cId="2771293663" sldId="270"/>
+            <ac:spMk id="8" creationId="{F6B6F81E-F8E2-D9E2-76FC-F8835C6332EA}"/>
+          </ac:spMkLst>
+        </pc:spChg>
+        <pc:spChg chg="add mod">
+          <ac:chgData name="sahar khanlari" userId="7085ee7d37d5c2dd" providerId="LiveId" clId="{9DFAE389-2C44-4AAC-8568-3226090E04E3}" dt="2025-07-28T10:46:56.061" v="406" actId="20577"/>
+          <ac:spMkLst>
+            <pc:docMk/>
+            <pc:sldMk cId="2771293663" sldId="270"/>
+            <ac:spMk id="10" creationId="{1ED52973-3656-35BB-1A02-A33BF3C05E44}"/>
+          </ac:spMkLst>
+        </pc:spChg>
+        <pc:graphicFrameChg chg="add del mod modGraphic">
+          <ac:chgData name="sahar khanlari" userId="7085ee7d37d5c2dd" providerId="LiveId" clId="{9DFAE389-2C44-4AAC-8568-3226090E04E3}" dt="2025-07-28T10:35:33.860" v="338" actId="478"/>
+          <ac:graphicFrameMkLst>
+            <pc:docMk/>
+            <pc:sldMk cId="2771293663" sldId="270"/>
+            <ac:graphicFrameMk id="3" creationId="{94DD387A-6B14-97BC-472F-90E7C775D995}"/>
+          </ac:graphicFrameMkLst>
+        </pc:graphicFrameChg>
+        <pc:graphicFrameChg chg="add mod modGraphic">
+          <ac:chgData name="sahar khanlari" userId="7085ee7d37d5c2dd" providerId="LiveId" clId="{9DFAE389-2C44-4AAC-8568-3226090E04E3}" dt="2025-07-28T10:40:43.011" v="390" actId="1076"/>
+          <ac:graphicFrameMkLst>
+            <pc:docMk/>
+            <pc:sldMk cId="2771293663" sldId="270"/>
+            <ac:graphicFrameMk id="5" creationId="{4B306EE1-8AD9-126A-18F8-D96303290EBA}"/>
+          </ac:graphicFrameMkLst>
+        </pc:graphicFrameChg>
+        <pc:picChg chg="mod">
+          <ac:chgData name="sahar khanlari" userId="7085ee7d37d5c2dd" providerId="LiveId" clId="{9DFAE389-2C44-4AAC-8568-3226090E04E3}" dt="2025-07-28T10:34:16.552" v="329" actId="1076"/>
+          <ac:picMkLst>
+            <pc:docMk/>
+            <pc:sldMk cId="2771293663" sldId="270"/>
+            <ac:picMk id="6" creationId="{C3F8885E-B296-671F-ABDA-9DD7913759F2}"/>
+          </ac:picMkLst>
+        </pc:picChg>
+      </pc:sldChg>
+    </pc:docChg>
+  </pc:docChgLst>
+</pc:chgInfo>
 </file>
 
 <file path=ppt/diagrams/colors1.xml><?xml version="1.0" encoding="utf-8"?>
@@ -3140,8 +3439,8 @@
     <dgm:cxn modelId="{66725C3C-9534-4BD5-B2D5-5B7A55926101}" srcId="{0C517EB1-EFE0-4A78-96F4-5C2C29765690}" destId="{24DB42BB-9916-4FA0-9C30-855E21C67731}" srcOrd="1" destOrd="0" parTransId="{1B0802CD-B141-4716-BC82-502461CC3104}" sibTransId="{4D28A881-4AFD-457B-A35E-C2D339589AF1}"/>
     <dgm:cxn modelId="{33DD6B3E-6EB1-4CF9-B6DC-7B6C38EF63FF}" srcId="{844E4196-15D1-46DD-A078-46F474D23975}" destId="{E8544C39-2D11-4E62-AC7B-4D8285E9091E}" srcOrd="1" destOrd="0" parTransId="{5A0C3C84-45A9-4F1E-9190-CF840C82DE6F}" sibTransId="{29DCA72C-30AB-4720-A989-180715010DF2}"/>
     <dgm:cxn modelId="{B3BC0443-8521-0045-A5DB-A25E549928C7}" type="presOf" srcId="{0C517EB1-EFE0-4A78-96F4-5C2C29765690}" destId="{12A443D9-1128-7E4D-ADC9-35B67C131757}" srcOrd="0" destOrd="0" presId="urn:microsoft.com/office/officeart/2005/8/layout/hierarchy1"/>
+    <dgm:cxn modelId="{8683536E-0432-8845-ABC6-B2E487484B65}" type="presOf" srcId="{E9E94094-1D86-41F0-AB86-E4198F3FBBB1}" destId="{9900A0DE-051C-1C41-A5FF-9601D56A5E3B}" srcOrd="0" destOrd="0" presId="urn:microsoft.com/office/officeart/2005/8/layout/hierarchy1"/>
     <dgm:cxn modelId="{50F19850-DAEB-E344-A4B8-31B9DE11454B}" type="presOf" srcId="{1B0802CD-B141-4716-BC82-502461CC3104}" destId="{9A3687E2-925B-1C4D-9F2F-BD53BA76EE2A}" srcOrd="0" destOrd="0" presId="urn:microsoft.com/office/officeart/2005/8/layout/hierarchy1"/>
-    <dgm:cxn modelId="{8683536E-0432-8845-ABC6-B2E487484B65}" type="presOf" srcId="{E9E94094-1D86-41F0-AB86-E4198F3FBBB1}" destId="{9900A0DE-051C-1C41-A5FF-9601D56A5E3B}" srcOrd="0" destOrd="0" presId="urn:microsoft.com/office/officeart/2005/8/layout/hierarchy1"/>
     <dgm:cxn modelId="{D7E02375-6E1E-44F2-A1D7-B661380D2B29}" srcId="{E8544C39-2D11-4E62-AC7B-4D8285E9091E}" destId="{E6D33E19-55FB-415C-9BDB-6EAC9B04E8B8}" srcOrd="1" destOrd="0" parTransId="{9233CE62-AD11-4A05-B4BB-D06BE3E89105}" sibTransId="{54548E87-390E-42F7-BE8A-691DCFD9A138}"/>
     <dgm:cxn modelId="{8CAA7286-4715-0242-8F78-F085C98B5A7D}" type="presOf" srcId="{9233CE62-AD11-4A05-B4BB-D06BE3E89105}" destId="{9962AFFB-0811-7946-A4CC-01272102D19D}" srcOrd="0" destOrd="0" presId="urn:microsoft.com/office/officeart/2005/8/layout/hierarchy1"/>
     <dgm:cxn modelId="{03B56087-BA82-4891-9CFC-E33B9C12F5CB}" srcId="{E8544C39-2D11-4E62-AC7B-4D8285E9091E}" destId="{FD40F53F-9530-46D3-A5EC-9482DF56024E}" srcOrd="0" destOrd="0" parTransId="{E4481B99-1FA9-4208-9DDF-15DE9168F424}" sibTransId="{498DA34F-B99D-4315-B510-8430116087F7}"/>
@@ -3200,7 +3499,7 @@
 <dgm:dataModel xmlns:dgm="http://schemas.openxmlformats.org/drawingml/2006/diagram" xmlns:a="http://schemas.openxmlformats.org/drawingml/2006/main">
   <dgm:ptLst>
     <dgm:pt modelId="{CC970F8C-3727-48B3-B084-F579D8CB5EE6}" type="doc">
-      <dgm:prSet loTypeId="urn:microsoft.com/office/officeart/2005/8/layout/list1" loCatId="list" qsTypeId="urn:microsoft.com/office/officeart/2005/8/quickstyle/simple1" qsCatId="simple" csTypeId="urn:microsoft.com/office/officeart/2005/8/colors/accent1_2" csCatId="accent1"/>
+      <dgm:prSet loTypeId="urn:microsoft.com/office/officeart/2005/8/layout/list1" loCatId="list" qsTypeId="urn:microsoft.com/office/officeart/2005/8/quickstyle/simple1" qsCatId="simple" csTypeId="urn:microsoft.com/office/officeart/2005/8/colors/accent1_2" csCatId="accent1" phldr="1"/>
       <dgm:spPr/>
       <dgm:t>
         <a:bodyPr/>
@@ -3327,7 +3626,7 @@
         <a:lstStyle/>
         <a:p>
           <a:r>
-            <a:rPr lang="en-US"/>
+            <a:rPr lang="en-US" dirty="0"/>
             <a:t>Formal charge</a:t>
           </a:r>
         </a:p>
@@ -3363,7 +3662,7 @@
         <a:lstStyle/>
         <a:p>
           <a:r>
-            <a:rPr lang="en-US"/>
+            <a:rPr lang="en-US" dirty="0"/>
             <a:t>Aromaticity</a:t>
           </a:r>
         </a:p>
@@ -3399,7 +3698,7 @@
         <a:lstStyle/>
         <a:p>
           <a:r>
-            <a:rPr lang="en-US"/>
+            <a:rPr lang="en-US" dirty="0"/>
             <a:t>Total hydrogens</a:t>
           </a:r>
         </a:p>
@@ -3608,6 +3907,114 @@
         </a:p>
       </dgm:t>
     </dgm:pt>
+    <dgm:pt modelId="{31DFC6F4-B9C3-4CF4-A5C1-708F66C424CC}">
+      <dgm:prSet/>
+      <dgm:spPr/>
+      <dgm:t>
+        <a:bodyPr/>
+        <a:lstStyle/>
+        <a:p>
+          <a:r>
+            <a:rPr lang="en-US" dirty="0"/>
+            <a:t>Atomic mass</a:t>
+          </a:r>
+        </a:p>
+      </dgm:t>
+    </dgm:pt>
+    <dgm:pt modelId="{F719C3A1-FAB1-417E-8EF2-BA04C4327B38}" type="parTrans" cxnId="{6ED2854B-FA56-4D83-A289-E7DCE8CA8C6B}">
+      <dgm:prSet/>
+      <dgm:spPr/>
+      <dgm:t>
+        <a:bodyPr/>
+        <a:lstStyle/>
+        <a:p>
+          <a:endParaRPr lang="en-US"/>
+        </a:p>
+      </dgm:t>
+    </dgm:pt>
+    <dgm:pt modelId="{99EBCD3F-07FB-4BE3-BED4-5EBF2BCFFC57}" type="sibTrans" cxnId="{6ED2854B-FA56-4D83-A289-E7DCE8CA8C6B}">
+      <dgm:prSet/>
+      <dgm:spPr/>
+      <dgm:t>
+        <a:bodyPr/>
+        <a:lstStyle/>
+        <a:p>
+          <a:endParaRPr lang="en-US"/>
+        </a:p>
+      </dgm:t>
+    </dgm:pt>
+    <dgm:pt modelId="{820491E9-6CCC-4A58-AD3F-D628A673323A}">
+      <dgm:prSet/>
+      <dgm:spPr/>
+      <dgm:t>
+        <a:bodyPr/>
+        <a:lstStyle/>
+        <a:p>
+          <a:r>
+            <a:rPr lang="en-US" dirty="0"/>
+            <a:t>Chirality</a:t>
+          </a:r>
+        </a:p>
+      </dgm:t>
+    </dgm:pt>
+    <dgm:pt modelId="{9B9E1720-7672-4FAD-8782-24750BA7412D}" type="parTrans" cxnId="{2526C72C-DFF1-4B53-8FB7-46139023D700}">
+      <dgm:prSet/>
+      <dgm:spPr/>
+      <dgm:t>
+        <a:bodyPr/>
+        <a:lstStyle/>
+        <a:p>
+          <a:endParaRPr lang="en-US"/>
+        </a:p>
+      </dgm:t>
+    </dgm:pt>
+    <dgm:pt modelId="{F9546523-916B-4E58-8A24-18CB1EF6D765}" type="sibTrans" cxnId="{2526C72C-DFF1-4B53-8FB7-46139023D700}">
+      <dgm:prSet/>
+      <dgm:spPr/>
+      <dgm:t>
+        <a:bodyPr/>
+        <a:lstStyle/>
+        <a:p>
+          <a:endParaRPr lang="en-US"/>
+        </a:p>
+      </dgm:t>
+    </dgm:pt>
+    <dgm:pt modelId="{C7FF0793-0916-47B6-BBFB-752673DE6FBB}">
+      <dgm:prSet/>
+      <dgm:spPr/>
+      <dgm:t>
+        <a:bodyPr/>
+        <a:lstStyle/>
+        <a:p>
+          <a:r>
+            <a:rPr lang="en-US" dirty="0"/>
+            <a:t>Hybridization</a:t>
+          </a:r>
+        </a:p>
+      </dgm:t>
+    </dgm:pt>
+    <dgm:pt modelId="{E315EB63-B627-484D-BFEE-AC2A000ADBC8}" type="parTrans" cxnId="{476A850E-09C5-4728-842B-3F96EF0B6BC4}">
+      <dgm:prSet/>
+      <dgm:spPr/>
+      <dgm:t>
+        <a:bodyPr/>
+        <a:lstStyle/>
+        <a:p>
+          <a:endParaRPr lang="en-US"/>
+        </a:p>
+      </dgm:t>
+    </dgm:pt>
+    <dgm:pt modelId="{72E8AA3A-1D67-49AD-84C8-030905EAA6E5}" type="sibTrans" cxnId="{476A850E-09C5-4728-842B-3F96EF0B6BC4}">
+      <dgm:prSet/>
+      <dgm:spPr/>
+      <dgm:t>
+        <a:bodyPr/>
+        <a:lstStyle/>
+        <a:p>
+          <a:endParaRPr lang="en-US"/>
+        </a:p>
+      </dgm:t>
+    </dgm:pt>
     <dgm:pt modelId="{A074D9FC-ACDE-E34E-99F9-7798E53EB3F4}" type="pres">
       <dgm:prSet presAssocID="{CC970F8C-3727-48B3-B084-F579D8CB5EE6}" presName="linear" presStyleCnt="0">
         <dgm:presLayoutVars>
@@ -3683,13 +4090,16 @@
   </dgm:ptLst>
   <dgm:cxnLst>
     <dgm:cxn modelId="{11AF7505-70F6-418A-917C-6A5C84E68CCD}" srcId="{74FA1F37-BBDE-45F6-B1AF-24B1D0B2CB58}" destId="{F931CB68-9991-4D63-9E71-D8AB2228BAA1}" srcOrd="2" destOrd="0" parTransId="{3028FC5A-D9FD-4304-8B62-1121C3BAB24B}" sibTransId="{7548B129-DB8B-449B-89A0-9CAEB3FB4BD4}"/>
+    <dgm:cxn modelId="{476A850E-09C5-4728-842B-3F96EF0B6BC4}" srcId="{2D73846A-F161-4DB7-A313-63BD4ED735CA}" destId="{C7FF0793-0916-47B6-BBFB-752673DE6FBB}" srcOrd="6" destOrd="0" parTransId="{E315EB63-B627-484D-BFEE-AC2A000ADBC8}" sibTransId="{72E8AA3A-1D67-49AD-84C8-030905EAA6E5}"/>
     <dgm:cxn modelId="{F4628629-88A2-DC47-BCDD-6EF4EEF3C49D}" type="presOf" srcId="{F931CB68-9991-4D63-9E71-D8AB2228BAA1}" destId="{4CAB8561-6480-A74A-9353-5DE79E379936}" srcOrd="0" destOrd="2" presId="urn:microsoft.com/office/officeart/2005/8/layout/list1"/>
+    <dgm:cxn modelId="{2526C72C-DFF1-4B53-8FB7-46139023D700}" srcId="{2D73846A-F161-4DB7-A313-63BD4ED735CA}" destId="{820491E9-6CCC-4A58-AD3F-D628A673323A}" srcOrd="5" destOrd="0" parTransId="{9B9E1720-7672-4FAD-8782-24750BA7412D}" sibTransId="{F9546523-916B-4E58-8A24-18CB1EF6D765}"/>
     <dgm:cxn modelId="{22567B3B-FF23-42FF-89E2-495E7B48A62E}" srcId="{74FA1F37-BBDE-45F6-B1AF-24B1D0B2CB58}" destId="{7B661620-E423-44A9-8E0D-DB19C93BE104}" srcOrd="3" destOrd="0" parTransId="{6AADF5D1-76CE-49CC-95E2-674604F378B2}" sibTransId="{AD8F4906-FE8E-49CB-8C9C-C5389BCA1FEB}"/>
     <dgm:cxn modelId="{24A0B549-58CF-494B-B975-23B3E0F33A0F}" type="presOf" srcId="{A0C5FE80-D121-445B-8037-D8BB340BC006}" destId="{4CAB8561-6480-A74A-9353-5DE79E379936}" srcOrd="0" destOrd="0" presId="urn:microsoft.com/office/officeart/2005/8/layout/list1"/>
+    <dgm:cxn modelId="{1A38356A-6034-4D40-93E0-796B03EC49C0}" srcId="{2D73846A-F161-4DB7-A313-63BD4ED735CA}" destId="{28A2DB52-A700-4C82-A221-67C93E77FDB3}" srcOrd="4" destOrd="0" parTransId="{E1CAA9FD-BCFB-45B9-BC51-1FD09D3D17D9}" sibTransId="{F474085A-4AF6-44C2-92EA-C3A8ED256569}"/>
+    <dgm:cxn modelId="{6ED2854B-FA56-4D83-A289-E7DCE8CA8C6B}" srcId="{2D73846A-F161-4DB7-A313-63BD4ED735CA}" destId="{31DFC6F4-B9C3-4CF4-A5C1-708F66C424CC}" srcOrd="7" destOrd="0" parTransId="{F719C3A1-FAB1-417E-8EF2-BA04C4327B38}" sibTransId="{99EBCD3F-07FB-4BE3-BED4-5EBF2BCFFC57}"/>
+    <dgm:cxn modelId="{1FF8F070-D07C-9B40-A625-8626A68D54B2}" type="presOf" srcId="{7B661620-E423-44A9-8E0D-DB19C93BE104}" destId="{4CAB8561-6480-A74A-9353-5DE79E379936}" srcOrd="0" destOrd="3" presId="urn:microsoft.com/office/officeart/2005/8/layout/list1"/>
     <dgm:cxn modelId="{C92D4758-3981-7C4E-9118-0019F7D6F1C1}" type="presOf" srcId="{790A68D5-DBBA-49D3-8CAC-D080B46BD5C7}" destId="{DD0F9047-B43E-954A-BA3E-40611288B283}" srcOrd="0" destOrd="1" presId="urn:microsoft.com/office/officeart/2005/8/layout/list1"/>
     <dgm:cxn modelId="{5C4EE258-0DE7-48E2-B7B1-8BD1C88152DB}" srcId="{2D73846A-F161-4DB7-A313-63BD4ED735CA}" destId="{37B7892D-2CC8-4BA9-8C88-C89981100C98}" srcOrd="2" destOrd="0" parTransId="{0ABFAE1E-9CCB-436A-9BE3-692344532D15}" sibTransId="{6F920D7E-8C78-4993-8699-D5B4526BEFEF}"/>
-    <dgm:cxn modelId="{1A38356A-6034-4D40-93E0-796B03EC49C0}" srcId="{2D73846A-F161-4DB7-A313-63BD4ED735CA}" destId="{28A2DB52-A700-4C82-A221-67C93E77FDB3}" srcOrd="4" destOrd="0" parTransId="{E1CAA9FD-BCFB-45B9-BC51-1FD09D3D17D9}" sibTransId="{F474085A-4AF6-44C2-92EA-C3A8ED256569}"/>
-    <dgm:cxn modelId="{1FF8F070-D07C-9B40-A625-8626A68D54B2}" type="presOf" srcId="{7B661620-E423-44A9-8E0D-DB19C93BE104}" destId="{4CAB8561-6480-A74A-9353-5DE79E379936}" srcOrd="0" destOrd="3" presId="urn:microsoft.com/office/officeart/2005/8/layout/list1"/>
     <dgm:cxn modelId="{BB814080-FBBC-4D5A-9BE7-BF2EA1A04D9C}" srcId="{74FA1F37-BBDE-45F6-B1AF-24B1D0B2CB58}" destId="{A0C5FE80-D121-445B-8037-D8BB340BC006}" srcOrd="0" destOrd="0" parTransId="{A21D188C-A475-4A60-BD72-16417A0D064B}" sibTransId="{E2D583EA-38EB-4B86-B7BE-BF08FF63F7CF}"/>
     <dgm:cxn modelId="{192D2385-9BE0-5845-9DCB-F7927FC09A15}" type="presOf" srcId="{E5B0CEFF-2DF6-43F7-A731-CF0B4332BBC7}" destId="{DD0F9047-B43E-954A-BA3E-40611288B283}" srcOrd="0" destOrd="3" presId="urn:microsoft.com/office/officeart/2005/8/layout/list1"/>
     <dgm:cxn modelId="{9ECB3C87-54FF-C34E-906D-C3F2B14EC5FB}" type="presOf" srcId="{74FA1F37-BBDE-45F6-B1AF-24B1D0B2CB58}" destId="{D0793168-592C-564B-937A-EFA4AB6E3405}" srcOrd="1" destOrd="0" presId="urn:microsoft.com/office/officeart/2005/8/layout/list1"/>
@@ -3697,6 +4107,7 @@
     <dgm:cxn modelId="{ADC74399-12A0-46FF-8182-9726CD833375}" srcId="{74FA1F37-BBDE-45F6-B1AF-24B1D0B2CB58}" destId="{F5B56EB4-7D50-417A-BF18-5EE43E97CABC}" srcOrd="1" destOrd="0" parTransId="{8C63E693-05BB-484F-B991-63D0AC326DCB}" sibTransId="{E28B9F3D-5C6D-4F77-889B-951B0E856730}"/>
     <dgm:cxn modelId="{67B53CA4-6902-CB48-81AF-A8BE064B14F2}" type="presOf" srcId="{F5B56EB4-7D50-417A-BF18-5EE43E97CABC}" destId="{4CAB8561-6480-A74A-9353-5DE79E379936}" srcOrd="0" destOrd="1" presId="urn:microsoft.com/office/officeart/2005/8/layout/list1"/>
     <dgm:cxn modelId="{15F7C8A6-13E0-DE4F-B6E6-4B60DCAA39C7}" type="presOf" srcId="{37B7892D-2CC8-4BA9-8C88-C89981100C98}" destId="{DD0F9047-B43E-954A-BA3E-40611288B283}" srcOrd="0" destOrd="2" presId="urn:microsoft.com/office/officeart/2005/8/layout/list1"/>
+    <dgm:cxn modelId="{C44AD1A6-1DF6-4EFB-AB1F-123B4B73D182}" type="presOf" srcId="{820491E9-6CCC-4A58-AD3F-D628A673323A}" destId="{DD0F9047-B43E-954A-BA3E-40611288B283}" srcOrd="0" destOrd="5" presId="urn:microsoft.com/office/officeart/2005/8/layout/list1"/>
     <dgm:cxn modelId="{DBD660A8-4F6C-487F-A8D4-A74A80861B7F}" srcId="{2D73846A-F161-4DB7-A313-63BD4ED735CA}" destId="{E5B0CEFF-2DF6-43F7-A731-CF0B4332BBC7}" srcOrd="3" destOrd="0" parTransId="{563544F8-3BB5-4B81-8DBF-DB8A529439EA}" sibTransId="{42557230-80C5-4BB8-A106-4F7BCA52002C}"/>
     <dgm:cxn modelId="{26860CBB-ABEB-464F-8033-386579B7DA77}" type="presOf" srcId="{74FA1F37-BBDE-45F6-B1AF-24B1D0B2CB58}" destId="{3D8EAA69-1A48-6148-A5E5-9D124EEE7B67}" srcOrd="0" destOrd="0" presId="urn:microsoft.com/office/officeart/2005/8/layout/list1"/>
     <dgm:cxn modelId="{11136BBC-863A-4233-9514-D0B6BE12015D}" srcId="{CC970F8C-3727-48B3-B084-F579D8CB5EE6}" destId="{74FA1F37-BBDE-45F6-B1AF-24B1D0B2CB58}" srcOrd="1" destOrd="0" parTransId="{EE792ABD-A0F0-4128-855C-32B895214D00}" sibTransId="{A53E1C26-E268-494C-9FAE-6758312E39AB}"/>
@@ -3704,9 +4115,11 @@
     <dgm:cxn modelId="{0526BFC4-EDA0-4419-B96D-E99D95B81D90}" srcId="{2D73846A-F161-4DB7-A313-63BD4ED735CA}" destId="{790A68D5-DBBA-49D3-8CAC-D080B46BD5C7}" srcOrd="1" destOrd="0" parTransId="{B5B66504-F332-40EA-9B5B-4F86AE7810AD}" sibTransId="{12BBD0A4-4BB6-4CD7-9C10-07088AD17168}"/>
     <dgm:cxn modelId="{823817C6-BBEC-9C48-8EF0-68768B033553}" type="presOf" srcId="{EA110012-E2F8-45E0-827F-EF5208B98C5A}" destId="{DD0F9047-B43E-954A-BA3E-40611288B283}" srcOrd="0" destOrd="0" presId="urn:microsoft.com/office/officeart/2005/8/layout/list1"/>
     <dgm:cxn modelId="{19B202CD-D6DA-D144-8DB7-1B77162DED84}" type="presOf" srcId="{28A2DB52-A700-4C82-A221-67C93E77FDB3}" destId="{DD0F9047-B43E-954A-BA3E-40611288B283}" srcOrd="0" destOrd="4" presId="urn:microsoft.com/office/officeart/2005/8/layout/list1"/>
+    <dgm:cxn modelId="{B03304D5-F8BF-4E08-BA9E-039F1B539B15}" type="presOf" srcId="{31DFC6F4-B9C3-4CF4-A5C1-708F66C424CC}" destId="{DD0F9047-B43E-954A-BA3E-40611288B283}" srcOrd="0" destOrd="7" presId="urn:microsoft.com/office/officeart/2005/8/layout/list1"/>
     <dgm:cxn modelId="{4D0479D7-7974-C046-8694-0776D649EF7B}" type="presOf" srcId="{2D73846A-F161-4DB7-A313-63BD4ED735CA}" destId="{A1E7CD71-87E0-5442-A3A0-D5B1EE7D1CE9}" srcOrd="1" destOrd="0" presId="urn:microsoft.com/office/officeart/2005/8/layout/list1"/>
     <dgm:cxn modelId="{975994D7-ECA6-4F3A-A83F-966E1CE735C4}" srcId="{CC970F8C-3727-48B3-B084-F579D8CB5EE6}" destId="{2D73846A-F161-4DB7-A313-63BD4ED735CA}" srcOrd="0" destOrd="0" parTransId="{EB1F0EB9-B550-49F1-8817-D94C9019D9B7}" sibTransId="{C8F351DA-AF24-488B-B598-8BCB5CCAC17D}"/>
     <dgm:cxn modelId="{EF7633DD-16F8-4141-8D9A-BCE9E8508B5E}" type="presOf" srcId="{CC970F8C-3727-48B3-B084-F579D8CB5EE6}" destId="{A074D9FC-ACDE-E34E-99F9-7798E53EB3F4}" srcOrd="0" destOrd="0" presId="urn:microsoft.com/office/officeart/2005/8/layout/list1"/>
+    <dgm:cxn modelId="{6555B0FA-3C21-404B-8239-67425A3EB0DC}" type="presOf" srcId="{C7FF0793-0916-47B6-BBFB-752673DE6FBB}" destId="{DD0F9047-B43E-954A-BA3E-40611288B283}" srcOrd="0" destOrd="6" presId="urn:microsoft.com/office/officeart/2005/8/layout/list1"/>
     <dgm:cxn modelId="{9EA15796-01C2-C14E-A372-4CB4AB5446E3}" type="presParOf" srcId="{A074D9FC-ACDE-E34E-99F9-7798E53EB3F4}" destId="{DCBBE382-0429-A640-8CE1-B8BA9CF96CF9}" srcOrd="0" destOrd="0" presId="urn:microsoft.com/office/officeart/2005/8/layout/list1"/>
     <dgm:cxn modelId="{850B37EB-1072-0E4A-998D-920C0404EB30}" type="presParOf" srcId="{DCBBE382-0429-A640-8CE1-B8BA9CF96CF9}" destId="{0C39F407-96AC-204F-A158-7720D54A1F28}" srcOrd="0" destOrd="0" presId="urn:microsoft.com/office/officeart/2005/8/layout/list1"/>
     <dgm:cxn modelId="{1ADF1D15-1D17-8B47-9251-4BE820A1C51C}" type="presParOf" srcId="{DCBBE382-0429-A640-8CE1-B8BA9CF96CF9}" destId="{A1E7CD71-87E0-5442-A3A0-D5B1EE7D1CE9}" srcOrd="1" destOrd="0" presId="urn:microsoft.com/office/officeart/2005/8/layout/list1"/>
@@ -5355,8 +5768,8 @@
       </dsp:nvSpPr>
       <dsp:spPr>
         <a:xfrm>
-          <a:off x="0" y="341019"/>
-          <a:ext cx="10855712" cy="1927800"/>
+          <a:off x="0" y="268793"/>
+          <a:ext cx="10855712" cy="2362500"/>
         </a:xfrm>
         <a:prstGeom prst="rect">
           <a:avLst/>
@@ -5397,12 +5810,12 @@
         <a:fontRef idx="minor"/>
       </dsp:style>
       <dsp:txBody>
-        <a:bodyPr spcFirstLastPara="0" vert="horz" wrap="square" lIns="842524" tIns="374904" rIns="842524" bIns="128016" numCol="1" spcCol="1270" anchor="t" anchorCtr="0">
+        <a:bodyPr spcFirstLastPara="0" vert="horz" wrap="square" lIns="842524" tIns="312420" rIns="842524" bIns="106680" numCol="1" spcCol="1270" anchor="t" anchorCtr="0">
           <a:noAutofit/>
         </a:bodyPr>
         <a:lstStyle/>
         <a:p>
-          <a:pPr marL="171450" lvl="1" indent="-171450" algn="l" defTabSz="800100">
+          <a:pPr marL="114300" lvl="1" indent="-114300" algn="l" defTabSz="666750">
             <a:lnSpc>
               <a:spcPct val="90000"/>
             </a:lnSpc>
@@ -5415,12 +5828,12 @@
             <a:buChar char="•"/>
           </a:pPr>
           <a:r>
-            <a:rPr lang="en-US" sz="1800" kern="1200"/>
+            <a:rPr lang="en-US" sz="1500" kern="1200"/>
             <a:t>Atomic number </a:t>
           </a:r>
         </a:p>
         <a:p>
-          <a:pPr marL="171450" lvl="1" indent="-171450" algn="l" defTabSz="800100">
+          <a:pPr marL="114300" lvl="1" indent="-114300" algn="l" defTabSz="666750">
             <a:lnSpc>
               <a:spcPct val="90000"/>
             </a:lnSpc>
@@ -5433,12 +5846,12 @@
             <a:buChar char="•"/>
           </a:pPr>
           <a:r>
-            <a:rPr lang="en-US" sz="1800" kern="1200"/>
+            <a:rPr lang="en-US" sz="1500" kern="1200"/>
             <a:t>Degree</a:t>
           </a:r>
         </a:p>
         <a:p>
-          <a:pPr marL="171450" lvl="1" indent="-171450" algn="l" defTabSz="800100">
+          <a:pPr marL="114300" lvl="1" indent="-114300" algn="l" defTabSz="666750">
             <a:lnSpc>
               <a:spcPct val="90000"/>
             </a:lnSpc>
@@ -5451,12 +5864,12 @@
             <a:buChar char="•"/>
           </a:pPr>
           <a:r>
-            <a:rPr lang="en-US" sz="1800" kern="1200"/>
+            <a:rPr lang="en-US" sz="1500" kern="1200" dirty="0"/>
             <a:t>Formal charge</a:t>
           </a:r>
         </a:p>
         <a:p>
-          <a:pPr marL="171450" lvl="1" indent="-171450" algn="l" defTabSz="800100">
+          <a:pPr marL="114300" lvl="1" indent="-114300" algn="l" defTabSz="666750">
             <a:lnSpc>
               <a:spcPct val="90000"/>
             </a:lnSpc>
@@ -5469,12 +5882,12 @@
             <a:buChar char="•"/>
           </a:pPr>
           <a:r>
-            <a:rPr lang="en-US" sz="1800" kern="1200"/>
+            <a:rPr lang="en-US" sz="1500" kern="1200" dirty="0"/>
             <a:t>Aromaticity</a:t>
           </a:r>
         </a:p>
         <a:p>
-          <a:pPr marL="171450" lvl="1" indent="-171450" algn="l" defTabSz="800100">
+          <a:pPr marL="114300" lvl="1" indent="-114300" algn="l" defTabSz="666750">
             <a:lnSpc>
               <a:spcPct val="90000"/>
             </a:lnSpc>
@@ -5487,14 +5900,68 @@
             <a:buChar char="•"/>
           </a:pPr>
           <a:r>
-            <a:rPr lang="en-US" sz="1800" kern="1200"/>
+            <a:rPr lang="en-US" sz="1500" kern="1200" dirty="0"/>
             <a:t>Total hydrogens</a:t>
+          </a:r>
+        </a:p>
+        <a:p>
+          <a:pPr marL="114300" lvl="1" indent="-114300" algn="l" defTabSz="666750">
+            <a:lnSpc>
+              <a:spcPct val="90000"/>
+            </a:lnSpc>
+            <a:spcBef>
+              <a:spcPct val="0"/>
+            </a:spcBef>
+            <a:spcAft>
+              <a:spcPct val="15000"/>
+            </a:spcAft>
+            <a:buChar char="•"/>
+          </a:pPr>
+          <a:r>
+            <a:rPr lang="en-US" sz="1500" kern="1200" dirty="0"/>
+            <a:t>Chirality</a:t>
+          </a:r>
+        </a:p>
+        <a:p>
+          <a:pPr marL="114300" lvl="1" indent="-114300" algn="l" defTabSz="666750">
+            <a:lnSpc>
+              <a:spcPct val="90000"/>
+            </a:lnSpc>
+            <a:spcBef>
+              <a:spcPct val="0"/>
+            </a:spcBef>
+            <a:spcAft>
+              <a:spcPct val="15000"/>
+            </a:spcAft>
+            <a:buChar char="•"/>
+          </a:pPr>
+          <a:r>
+            <a:rPr lang="en-US" sz="1500" kern="1200" dirty="0"/>
+            <a:t>Hybridization</a:t>
+          </a:r>
+        </a:p>
+        <a:p>
+          <a:pPr marL="114300" lvl="1" indent="-114300" algn="l" defTabSz="666750">
+            <a:lnSpc>
+              <a:spcPct val="90000"/>
+            </a:lnSpc>
+            <a:spcBef>
+              <a:spcPct val="0"/>
+            </a:spcBef>
+            <a:spcAft>
+              <a:spcPct val="15000"/>
+            </a:spcAft>
+            <a:buChar char="•"/>
+          </a:pPr>
+          <a:r>
+            <a:rPr lang="en-US" sz="1500" kern="1200" dirty="0"/>
+            <a:t>Atomic mass</a:t>
           </a:r>
         </a:p>
       </dsp:txBody>
       <dsp:txXfrm>
-        <a:off x="0" y="341019"/>
-        <a:ext cx="10855712" cy="1927800"/>
+        <a:off x="0" y="268793"/>
+        <a:ext cx="10855712" cy="2362500"/>
       </dsp:txXfrm>
     </dsp:sp>
     <dsp:sp modelId="{A1E7CD71-87E0-5442-A3A0-D5B1EE7D1CE9}">
@@ -5504,8 +5971,8 @@
       </dsp:nvSpPr>
       <dsp:spPr>
         <a:xfrm>
-          <a:off x="542785" y="75339"/>
-          <a:ext cx="7598998" cy="531360"/>
+          <a:off x="542785" y="47393"/>
+          <a:ext cx="7598998" cy="442800"/>
         </a:xfrm>
         <a:prstGeom prst="roundRect">
           <a:avLst/>
@@ -5552,7 +6019,7 @@
         </a:bodyPr>
         <a:lstStyle/>
         <a:p>
-          <a:pPr marL="0" lvl="0" indent="0" algn="l" defTabSz="800100">
+          <a:pPr marL="0" lvl="0" indent="0" algn="l" defTabSz="666750">
             <a:lnSpc>
               <a:spcPct val="90000"/>
             </a:lnSpc>
@@ -5565,15 +6032,15 @@
             <a:buNone/>
           </a:pPr>
           <a:r>
-            <a:rPr lang="en-US" sz="1800" b="1" kern="1200"/>
+            <a:rPr lang="en-US" sz="1500" b="1" kern="1200"/>
             <a:t>Node features:</a:t>
           </a:r>
-          <a:endParaRPr lang="en-US" sz="1800" kern="1200"/>
+          <a:endParaRPr lang="en-US" sz="1500" kern="1200"/>
         </a:p>
       </dsp:txBody>
       <dsp:txXfrm>
-        <a:off x="568724" y="101278"/>
-        <a:ext cx="7547120" cy="479482"/>
+        <a:off x="564401" y="69009"/>
+        <a:ext cx="7555766" cy="399568"/>
       </dsp:txXfrm>
     </dsp:sp>
     <dsp:sp modelId="{4CAB8561-6480-A74A-9353-5DE79E379936}">
@@ -5583,8 +6050,8 @@
       </dsp:nvSpPr>
       <dsp:spPr>
         <a:xfrm>
-          <a:off x="0" y="2631699"/>
-          <a:ext cx="10855712" cy="1644299"/>
+          <a:off x="0" y="2933694"/>
+          <a:ext cx="10855712" cy="1370250"/>
         </a:xfrm>
         <a:prstGeom prst="rect">
           <a:avLst/>
@@ -5625,12 +6092,12 @@
         <a:fontRef idx="minor"/>
       </dsp:style>
       <dsp:txBody>
-        <a:bodyPr spcFirstLastPara="0" vert="horz" wrap="square" lIns="842524" tIns="374904" rIns="842524" bIns="128016" numCol="1" spcCol="1270" anchor="t" anchorCtr="0">
+        <a:bodyPr spcFirstLastPara="0" vert="horz" wrap="square" lIns="842524" tIns="312420" rIns="842524" bIns="106680" numCol="1" spcCol="1270" anchor="t" anchorCtr="0">
           <a:noAutofit/>
         </a:bodyPr>
         <a:lstStyle/>
         <a:p>
-          <a:pPr marL="171450" lvl="1" indent="-171450" algn="l" defTabSz="800100">
+          <a:pPr marL="114300" lvl="1" indent="-114300" algn="l" defTabSz="666750">
             <a:lnSpc>
               <a:spcPct val="90000"/>
             </a:lnSpc>
@@ -5643,12 +6110,12 @@
             <a:buChar char="•"/>
           </a:pPr>
           <a:r>
-            <a:rPr lang="en-US" sz="1800" kern="1200"/>
+            <a:rPr lang="en-US" sz="1500" kern="1200"/>
             <a:t>Bond type</a:t>
           </a:r>
         </a:p>
         <a:p>
-          <a:pPr marL="171450" lvl="1" indent="-171450" algn="l" defTabSz="800100">
+          <a:pPr marL="114300" lvl="1" indent="-114300" algn="l" defTabSz="666750">
             <a:lnSpc>
               <a:spcPct val="90000"/>
             </a:lnSpc>
@@ -5661,12 +6128,12 @@
             <a:buChar char="•"/>
           </a:pPr>
           <a:r>
-            <a:rPr lang="en-US" sz="1800" kern="1200"/>
+            <a:rPr lang="en-US" sz="1500" kern="1200"/>
             <a:t>Conjugation</a:t>
           </a:r>
         </a:p>
         <a:p>
-          <a:pPr marL="171450" lvl="1" indent="-171450" algn="l" defTabSz="800100">
+          <a:pPr marL="114300" lvl="1" indent="-114300" algn="l" defTabSz="666750">
             <a:lnSpc>
               <a:spcPct val="90000"/>
             </a:lnSpc>
@@ -5679,12 +6146,12 @@
             <a:buChar char="•"/>
           </a:pPr>
           <a:r>
-            <a:rPr lang="en-US" sz="1800" kern="1200"/>
+            <a:rPr lang="en-US" sz="1500" kern="1200"/>
             <a:t>Ring membership</a:t>
           </a:r>
         </a:p>
         <a:p>
-          <a:pPr marL="171450" lvl="1" indent="-171450" algn="l" defTabSz="800100">
+          <a:pPr marL="114300" lvl="1" indent="-114300" algn="l" defTabSz="666750">
             <a:lnSpc>
               <a:spcPct val="90000"/>
             </a:lnSpc>
@@ -5697,14 +6164,14 @@
             <a:buChar char="•"/>
           </a:pPr>
           <a:r>
-            <a:rPr lang="en-US" sz="1800" kern="1200"/>
+            <a:rPr lang="en-US" sz="1500" kern="1200"/>
             <a:t>Stereochemistry</a:t>
           </a:r>
         </a:p>
       </dsp:txBody>
       <dsp:txXfrm>
-        <a:off x="0" y="2631699"/>
-        <a:ext cx="10855712" cy="1644299"/>
+        <a:off x="0" y="2933694"/>
+        <a:ext cx="10855712" cy="1370250"/>
       </dsp:txXfrm>
     </dsp:sp>
     <dsp:sp modelId="{D0793168-592C-564B-937A-EFA4AB6E3405}">
@@ -5714,8 +6181,8 @@
       </dsp:nvSpPr>
       <dsp:spPr>
         <a:xfrm>
-          <a:off x="542785" y="2366018"/>
-          <a:ext cx="7598998" cy="531360"/>
+          <a:off x="542785" y="2712294"/>
+          <a:ext cx="7598998" cy="442800"/>
         </a:xfrm>
         <a:prstGeom prst="roundRect">
           <a:avLst/>
@@ -5762,7 +6229,7 @@
         </a:bodyPr>
         <a:lstStyle/>
         <a:p>
-          <a:pPr marL="0" lvl="0" indent="0" algn="l" defTabSz="800100">
+          <a:pPr marL="0" lvl="0" indent="0" algn="l" defTabSz="666750">
             <a:lnSpc>
               <a:spcPct val="90000"/>
             </a:lnSpc>
@@ -5775,15 +6242,15 @@
             <a:buNone/>
           </a:pPr>
           <a:r>
-            <a:rPr lang="en-US" sz="1800" b="1" kern="1200"/>
+            <a:rPr lang="en-US" sz="1500" b="1" kern="1200"/>
             <a:t>Edge features:</a:t>
           </a:r>
-          <a:endParaRPr lang="en-US" sz="1800" kern="1200"/>
+          <a:endParaRPr lang="en-US" sz="1500" kern="1200"/>
         </a:p>
       </dsp:txBody>
       <dsp:txXfrm>
-        <a:off x="568724" y="2391957"/>
-        <a:ext cx="7547120" cy="479482"/>
+        <a:off x="564401" y="2733910"/>
+        <a:ext cx="7555766" cy="399568"/>
       </dsp:txXfrm>
     </dsp:sp>
   </dsp:spTree>
@@ -10121,7 +10588,7 @@
           <a:p>
             <a:fld id="{62A2832A-D934-6B46-AB18-960F4D8AA6AA}" type="datetimeFigureOut">
               <a:rPr lang="en-US" smtClean="0"/>
-              <a:t>7/10/25</a:t>
+              <a:t>7/28/2025</a:t>
             </a:fld>
             <a:endParaRPr lang="en-US"/>
           </a:p>
@@ -10319,7 +10786,7 @@
           <a:p>
             <a:fld id="{62A2832A-D934-6B46-AB18-960F4D8AA6AA}" type="datetimeFigureOut">
               <a:rPr lang="en-US" smtClean="0"/>
-              <a:t>7/10/25</a:t>
+              <a:t>7/28/2025</a:t>
             </a:fld>
             <a:endParaRPr lang="en-US"/>
           </a:p>
@@ -10527,7 +10994,7 @@
           <a:p>
             <a:fld id="{62A2832A-D934-6B46-AB18-960F4D8AA6AA}" type="datetimeFigureOut">
               <a:rPr lang="en-US" smtClean="0"/>
-              <a:t>7/10/25</a:t>
+              <a:t>7/28/2025</a:t>
             </a:fld>
             <a:endParaRPr lang="en-US"/>
           </a:p>
@@ -10725,7 +11192,7 @@
           <a:p>
             <a:fld id="{62A2832A-D934-6B46-AB18-960F4D8AA6AA}" type="datetimeFigureOut">
               <a:rPr lang="en-US" smtClean="0"/>
-              <a:t>7/10/25</a:t>
+              <a:t>7/28/2025</a:t>
             </a:fld>
             <a:endParaRPr lang="en-US"/>
           </a:p>
@@ -11000,7 +11467,7 @@
           <a:p>
             <a:fld id="{62A2832A-D934-6B46-AB18-960F4D8AA6AA}" type="datetimeFigureOut">
               <a:rPr lang="en-US" smtClean="0"/>
-              <a:t>7/10/25</a:t>
+              <a:t>7/28/2025</a:t>
             </a:fld>
             <a:endParaRPr lang="en-US"/>
           </a:p>
@@ -11265,7 +11732,7 @@
           <a:p>
             <a:fld id="{62A2832A-D934-6B46-AB18-960F4D8AA6AA}" type="datetimeFigureOut">
               <a:rPr lang="en-US" smtClean="0"/>
-              <a:t>7/10/25</a:t>
+              <a:t>7/28/2025</a:t>
             </a:fld>
             <a:endParaRPr lang="en-US"/>
           </a:p>
@@ -11677,7 +12144,7 @@
           <a:p>
             <a:fld id="{62A2832A-D934-6B46-AB18-960F4D8AA6AA}" type="datetimeFigureOut">
               <a:rPr lang="en-US" smtClean="0"/>
-              <a:t>7/10/25</a:t>
+              <a:t>7/28/2025</a:t>
             </a:fld>
             <a:endParaRPr lang="en-US"/>
           </a:p>
@@ -11818,7 +12285,7 @@
           <a:p>
             <a:fld id="{62A2832A-D934-6B46-AB18-960F4D8AA6AA}" type="datetimeFigureOut">
               <a:rPr lang="en-US" smtClean="0"/>
-              <a:t>7/10/25</a:t>
+              <a:t>7/28/2025</a:t>
             </a:fld>
             <a:endParaRPr lang="en-US"/>
           </a:p>
@@ -11931,7 +12398,7 @@
           <a:p>
             <a:fld id="{62A2832A-D934-6B46-AB18-960F4D8AA6AA}" type="datetimeFigureOut">
               <a:rPr lang="en-US" smtClean="0"/>
-              <a:t>7/10/25</a:t>
+              <a:t>7/28/2025</a:t>
             </a:fld>
             <a:endParaRPr lang="en-US"/>
           </a:p>
@@ -12242,7 +12709,7 @@
           <a:p>
             <a:fld id="{62A2832A-D934-6B46-AB18-960F4D8AA6AA}" type="datetimeFigureOut">
               <a:rPr lang="en-US" smtClean="0"/>
-              <a:t>7/10/25</a:t>
+              <a:t>7/28/2025</a:t>
             </a:fld>
             <a:endParaRPr lang="en-US"/>
           </a:p>
@@ -12530,7 +12997,7 @@
           <a:p>
             <a:fld id="{62A2832A-D934-6B46-AB18-960F4D8AA6AA}" type="datetimeFigureOut">
               <a:rPr lang="en-US" smtClean="0"/>
-              <a:t>7/10/25</a:t>
+              <a:t>7/28/2025</a:t>
             </a:fld>
             <a:endParaRPr lang="en-US"/>
           </a:p>
@@ -12771,7 +13238,7 @@
           <a:p>
             <a:fld id="{62A2832A-D934-6B46-AB18-960F4D8AA6AA}" type="datetimeFigureOut">
               <a:rPr lang="en-US" smtClean="0"/>
-              <a:t>7/10/25</a:t>
+              <a:t>7/28/2025</a:t>
             </a:fld>
             <a:endParaRPr lang="en-US"/>
           </a:p>
@@ -13611,6 +14078,523 @@
   <p:cSld>
     <p:spTree>
       <p:nvGrpSpPr>
+        <p:cNvPr id="1" name="">
+          <a:extLst>
+            <a:ext uri="{FF2B5EF4-FFF2-40B4-BE49-F238E27FC236}">
+              <a16:creationId xmlns:a16="http://schemas.microsoft.com/office/drawing/2014/main" id="{0A3CFF0F-A54E-967F-DBE8-3DC87E4760BD}"/>
+            </a:ext>
+          </a:extLst>
+        </p:cNvPr>
+        <p:cNvGrpSpPr/>
+        <p:nvPr/>
+      </p:nvGrpSpPr>
+      <p:grpSpPr>
+        <a:xfrm>
+          <a:off x="0" y="0"/>
+          <a:ext cx="0" cy="0"/>
+          <a:chOff x="0" y="0"/>
+          <a:chExt cx="0" cy="0"/>
+        </a:xfrm>
+      </p:grpSpPr>
+      <p:sp>
+        <p:nvSpPr>
+          <p:cNvPr id="2" name="Title 1">
+            <a:extLst>
+              <a:ext uri="{FF2B5EF4-FFF2-40B4-BE49-F238E27FC236}">
+                <a16:creationId xmlns:a16="http://schemas.microsoft.com/office/drawing/2014/main" id="{01FA7C0B-8680-5C2B-16F2-F8DAB98F29BB}"/>
+              </a:ext>
+            </a:extLst>
+          </p:cNvPr>
+          <p:cNvSpPr>
+            <a:spLocks noGrp="1"/>
+          </p:cNvSpPr>
+          <p:nvPr>
+            <p:ph type="title"/>
+          </p:nvPr>
+        </p:nvSpPr>
+        <p:spPr>
+          <a:xfrm>
+            <a:off x="836679" y="723898"/>
+            <a:ext cx="6002110" cy="1495425"/>
+          </a:xfrm>
+        </p:spPr>
+        <p:txBody>
+          <a:bodyPr>
+            <a:normAutofit/>
+          </a:bodyPr>
+          <a:lstStyle/>
+          <a:p>
+            <a:r>
+              <a:rPr lang="en-US" sz="3200" b="1" dirty="0"/>
+              <a:t>Graph Classification - </a:t>
+            </a:r>
+            <a:r>
+              <a:rPr lang="en-US" sz="3200" b="1" dirty="0" err="1"/>
+              <a:t>ToxCast</a:t>
+            </a:r>
+            <a:endParaRPr lang="en-US" sz="3200" dirty="0"/>
+          </a:p>
+        </p:txBody>
+      </p:sp>
+      <p:sp>
+        <p:nvSpPr>
+          <p:cNvPr id="3" name="Content Placeholder 2">
+            <a:extLst>
+              <a:ext uri="{FF2B5EF4-FFF2-40B4-BE49-F238E27FC236}">
+                <a16:creationId xmlns:a16="http://schemas.microsoft.com/office/drawing/2014/main" id="{50FB1127-E6C0-6D8F-A4EC-51A960CDC8DE}"/>
+              </a:ext>
+            </a:extLst>
+          </p:cNvPr>
+          <p:cNvSpPr>
+            <a:spLocks noGrp="1"/>
+          </p:cNvSpPr>
+          <p:nvPr>
+            <p:ph idx="1"/>
+          </p:nvPr>
+        </p:nvSpPr>
+        <p:spPr>
+          <a:xfrm>
+            <a:off x="836680" y="2405067"/>
+            <a:ext cx="6002110" cy="3729034"/>
+          </a:xfrm>
+        </p:spPr>
+        <p:txBody>
+          <a:bodyPr>
+            <a:normAutofit/>
+          </a:bodyPr>
+          <a:lstStyle/>
+          <a:p>
+            <a:r>
+              <a:rPr lang="en-US" sz="2000" dirty="0"/>
+              <a:t>5 selected binary tasks from 617</a:t>
+            </a:r>
+          </a:p>
+          <a:p>
+            <a:r>
+              <a:rPr lang="en-US" sz="2000" dirty="0"/>
+              <a:t>Tasks include: </a:t>
+            </a:r>
+            <a:r>
+              <a:rPr lang="en-US" sz="2000" dirty="0" err="1"/>
+              <a:t>AhR</a:t>
+            </a:r>
+            <a:r>
+              <a:rPr lang="en-US" sz="2000" dirty="0"/>
+              <a:t>, Aromatase, </a:t>
+            </a:r>
+            <a:r>
+              <a:rPr lang="en-US" sz="2000" dirty="0" err="1"/>
+              <a:t>AutoFluor</a:t>
+            </a:r>
+            <a:r>
+              <a:rPr lang="en-US" sz="2000" dirty="0"/>
+              <a:t>, p53 (2 types)</a:t>
+            </a:r>
+          </a:p>
+          <a:p>
+            <a:r>
+              <a:rPr lang="en-US" sz="2000" dirty="0"/>
+              <a:t>State-of-the-Art model: </a:t>
+            </a:r>
+            <a:r>
+              <a:rPr lang="en-US" sz="2000" dirty="0" err="1"/>
+              <a:t>DumplingGNN</a:t>
+            </a:r>
+            <a:r>
+              <a:rPr lang="en-US" sz="2000" dirty="0"/>
+              <a:t> (0.782)</a:t>
+            </a:r>
+          </a:p>
+          <a:p>
+            <a:r>
+              <a:rPr lang="en-US" sz="2000" b="1" dirty="0"/>
+              <a:t>KANG average result:</a:t>
+            </a:r>
+            <a:r>
+              <a:rPr lang="en-US" sz="2000" dirty="0"/>
+              <a:t> 0.7922</a:t>
+            </a:r>
+          </a:p>
+        </p:txBody>
+      </p:sp>
+      <p:pic>
+        <p:nvPicPr>
+          <p:cNvPr id="4" name="Image 0" descr="preencoded.png">
+            <a:extLst>
+              <a:ext uri="{FF2B5EF4-FFF2-40B4-BE49-F238E27FC236}">
+                <a16:creationId xmlns:a16="http://schemas.microsoft.com/office/drawing/2014/main" id="{8F757E77-528B-72E1-B233-9758C5B4F5B1}"/>
+              </a:ext>
+            </a:extLst>
+          </p:cNvPr>
+          <p:cNvPicPr>
+            <a:picLocks noChangeAspect="1"/>
+          </p:cNvPicPr>
+          <p:nvPr/>
+        </p:nvPicPr>
+        <p:blipFill>
+          <a:blip r:embed="rId2"/>
+          <a:srcRect t="8309" r="1" b="1"/>
+          <a:stretch>
+            <a:fillRect/>
+          </a:stretch>
+        </p:blipFill>
+        <p:spPr>
+          <a:xfrm>
+            <a:off x="7199440" y="10"/>
+            <a:ext cx="4992560" cy="6857990"/>
+          </a:xfrm>
+          <a:prstGeom prst="rect">
+            <a:avLst/>
+          </a:prstGeom>
+          <a:effectLst/>
+        </p:spPr>
+      </p:pic>
+    </p:spTree>
+    <p:extLst>
+      <p:ext uri="{BB962C8B-B14F-4D97-AF65-F5344CB8AC3E}">
+        <p14:creationId xmlns:p14="http://schemas.microsoft.com/office/powerpoint/2010/main" val="2669818620"/>
+      </p:ext>
+    </p:extLst>
+  </p:cSld>
+  <p:clrMapOvr>
+    <a:masterClrMapping/>
+  </p:clrMapOvr>
+</p:sld>
+</file>
+
+<file path=ppt/slides/slide11.xml><?xml version="1.0" encoding="utf-8"?>
+<p:sld xmlns:a="http://schemas.openxmlformats.org/drawingml/2006/main" xmlns:r="http://schemas.openxmlformats.org/officeDocument/2006/relationships" xmlns:p="http://schemas.openxmlformats.org/presentationml/2006/main">
+  <p:cSld>
+    <p:spTree>
+      <p:nvGrpSpPr>
+        <p:cNvPr id="1" name="">
+          <a:extLst>
+            <a:ext uri="{FF2B5EF4-FFF2-40B4-BE49-F238E27FC236}">
+              <a16:creationId xmlns:a16="http://schemas.microsoft.com/office/drawing/2014/main" id="{31F1C214-F6F7-C33F-E7D5-3ED8312326C1}"/>
+            </a:ext>
+          </a:extLst>
+        </p:cNvPr>
+        <p:cNvGrpSpPr/>
+        <p:nvPr/>
+      </p:nvGrpSpPr>
+      <p:grpSpPr>
+        <a:xfrm>
+          <a:off x="0" y="0"/>
+          <a:ext cx="0" cy="0"/>
+          <a:chOff x="0" y="0"/>
+          <a:chExt cx="0" cy="0"/>
+        </a:xfrm>
+      </p:grpSpPr>
+      <p:sp>
+        <p:nvSpPr>
+          <p:cNvPr id="2" name="Title 1">
+            <a:extLst>
+              <a:ext uri="{FF2B5EF4-FFF2-40B4-BE49-F238E27FC236}">
+                <a16:creationId xmlns:a16="http://schemas.microsoft.com/office/drawing/2014/main" id="{E500DAF5-4340-739F-9330-D60E936E72A8}"/>
+              </a:ext>
+            </a:extLst>
+          </p:cNvPr>
+          <p:cNvSpPr>
+            <a:spLocks noGrp="1"/>
+          </p:cNvSpPr>
+          <p:nvPr>
+            <p:ph type="title"/>
+          </p:nvPr>
+        </p:nvSpPr>
+        <p:spPr>
+          <a:xfrm>
+            <a:off x="836679" y="723898"/>
+            <a:ext cx="6002110" cy="1495425"/>
+          </a:xfrm>
+        </p:spPr>
+        <p:txBody>
+          <a:bodyPr>
+            <a:normAutofit/>
+          </a:bodyPr>
+          <a:lstStyle/>
+          <a:p>
+            <a:r>
+              <a:rPr lang="en-US" sz="4000" b="1" dirty="0"/>
+              <a:t>Graph Regression - QM8</a:t>
+            </a:r>
+          </a:p>
+        </p:txBody>
+      </p:sp>
+      <p:sp>
+        <p:nvSpPr>
+          <p:cNvPr id="3" name="Content Placeholder 2">
+            <a:extLst>
+              <a:ext uri="{FF2B5EF4-FFF2-40B4-BE49-F238E27FC236}">
+                <a16:creationId xmlns:a16="http://schemas.microsoft.com/office/drawing/2014/main" id="{CB623AED-7A2A-29BD-D52E-E3881AFB0988}"/>
+              </a:ext>
+            </a:extLst>
+          </p:cNvPr>
+          <p:cNvSpPr>
+            <a:spLocks noGrp="1"/>
+          </p:cNvSpPr>
+          <p:nvPr>
+            <p:ph idx="1"/>
+          </p:nvPr>
+        </p:nvSpPr>
+        <p:spPr>
+          <a:xfrm>
+            <a:off x="836680" y="2405067"/>
+            <a:ext cx="6002110" cy="3729034"/>
+          </a:xfrm>
+        </p:spPr>
+        <p:txBody>
+          <a:bodyPr>
+            <a:normAutofit/>
+          </a:bodyPr>
+          <a:lstStyle/>
+          <a:p>
+            <a:r>
+              <a:rPr lang="en-US" sz="2000" dirty="0"/>
+              <a:t>12 quantum mechanical tasks</a:t>
+            </a:r>
+          </a:p>
+          <a:p>
+            <a:r>
+              <a:rPr lang="en-US" sz="2000" dirty="0"/>
+              <a:t>Metric: MAE</a:t>
+            </a:r>
+          </a:p>
+          <a:p>
+            <a:r>
+              <a:rPr lang="en-US" sz="2000" dirty="0" err="1"/>
+              <a:t>SoTA</a:t>
+            </a:r>
+            <a:r>
+              <a:rPr lang="en-US" sz="2000" dirty="0"/>
+              <a:t>: D-MPNN (0.0190)</a:t>
+            </a:r>
+          </a:p>
+          <a:p>
+            <a:r>
+              <a:rPr lang="en-US" sz="2000" b="1" dirty="0"/>
+              <a:t>KANG average result:</a:t>
+            </a:r>
+            <a:r>
+              <a:rPr lang="en-US" sz="2000" dirty="0"/>
+              <a:t> 0.0164</a:t>
+            </a:r>
+          </a:p>
+        </p:txBody>
+      </p:sp>
+      <p:pic>
+        <p:nvPicPr>
+          <p:cNvPr id="4" name="Image 0" descr="preencoded.png">
+            <a:extLst>
+              <a:ext uri="{FF2B5EF4-FFF2-40B4-BE49-F238E27FC236}">
+                <a16:creationId xmlns:a16="http://schemas.microsoft.com/office/drawing/2014/main" id="{E6FB226C-278F-3D1D-B5CE-3774E9038EDA}"/>
+              </a:ext>
+            </a:extLst>
+          </p:cNvPr>
+          <p:cNvPicPr>
+            <a:picLocks noChangeAspect="1"/>
+          </p:cNvPicPr>
+          <p:nvPr/>
+        </p:nvPicPr>
+        <p:blipFill>
+          <a:blip r:embed="rId2"/>
+          <a:srcRect t="8309" r="1" b="1"/>
+          <a:stretch>
+            <a:fillRect/>
+          </a:stretch>
+        </p:blipFill>
+        <p:spPr>
+          <a:xfrm>
+            <a:off x="7199440" y="10"/>
+            <a:ext cx="4992560" cy="6857990"/>
+          </a:xfrm>
+          <a:prstGeom prst="rect">
+            <a:avLst/>
+          </a:prstGeom>
+          <a:effectLst/>
+        </p:spPr>
+      </p:pic>
+    </p:spTree>
+    <p:extLst>
+      <p:ext uri="{BB962C8B-B14F-4D97-AF65-F5344CB8AC3E}">
+        <p14:creationId xmlns:p14="http://schemas.microsoft.com/office/powerpoint/2010/main" val="907266164"/>
+      </p:ext>
+    </p:extLst>
+  </p:cSld>
+  <p:clrMapOvr>
+    <a:masterClrMapping/>
+  </p:clrMapOvr>
+</p:sld>
+</file>
+
+<file path=ppt/slides/slide12.xml><?xml version="1.0" encoding="utf-8"?>
+<p:sld xmlns:a="http://schemas.openxmlformats.org/drawingml/2006/main" xmlns:r="http://schemas.openxmlformats.org/officeDocument/2006/relationships" xmlns:p="http://schemas.openxmlformats.org/presentationml/2006/main">
+  <p:cSld>
+    <p:spTree>
+      <p:nvGrpSpPr>
+        <p:cNvPr id="1" name="">
+          <a:extLst>
+            <a:ext uri="{FF2B5EF4-FFF2-40B4-BE49-F238E27FC236}">
+              <a16:creationId xmlns:a16="http://schemas.microsoft.com/office/drawing/2014/main" id="{9A05E1E9-C988-F24C-7B06-53803718B24B}"/>
+            </a:ext>
+          </a:extLst>
+        </p:cNvPr>
+        <p:cNvGrpSpPr/>
+        <p:nvPr/>
+      </p:nvGrpSpPr>
+      <p:grpSpPr>
+        <a:xfrm>
+          <a:off x="0" y="0"/>
+          <a:ext cx="0" cy="0"/>
+          <a:chOff x="0" y="0"/>
+          <a:chExt cx="0" cy="0"/>
+        </a:xfrm>
+      </p:grpSpPr>
+      <p:sp>
+        <p:nvSpPr>
+          <p:cNvPr id="2" name="Title 1">
+            <a:extLst>
+              <a:ext uri="{FF2B5EF4-FFF2-40B4-BE49-F238E27FC236}">
+                <a16:creationId xmlns:a16="http://schemas.microsoft.com/office/drawing/2014/main" id="{0076A942-19F6-7E0E-0F81-8DC8C06AD01D}"/>
+              </a:ext>
+            </a:extLst>
+          </p:cNvPr>
+          <p:cNvSpPr>
+            <a:spLocks noGrp="1"/>
+          </p:cNvSpPr>
+          <p:nvPr>
+            <p:ph type="title"/>
+          </p:nvPr>
+        </p:nvSpPr>
+        <p:spPr>
+          <a:xfrm>
+            <a:off x="836679" y="723898"/>
+            <a:ext cx="6002110" cy="1495425"/>
+          </a:xfrm>
+        </p:spPr>
+        <p:txBody>
+          <a:bodyPr>
+            <a:normAutofit/>
+          </a:bodyPr>
+          <a:lstStyle/>
+          <a:p>
+            <a:r>
+              <a:rPr lang="en-US" sz="4000" b="1" dirty="0"/>
+              <a:t>Graph Regression - QM9</a:t>
+            </a:r>
+          </a:p>
+        </p:txBody>
+      </p:sp>
+      <p:sp>
+        <p:nvSpPr>
+          <p:cNvPr id="3" name="Content Placeholder 2">
+            <a:extLst>
+              <a:ext uri="{FF2B5EF4-FFF2-40B4-BE49-F238E27FC236}">
+                <a16:creationId xmlns:a16="http://schemas.microsoft.com/office/drawing/2014/main" id="{DA5B0B6E-6288-4CBA-B585-524CE15BAE4F}"/>
+              </a:ext>
+            </a:extLst>
+          </p:cNvPr>
+          <p:cNvSpPr>
+            <a:spLocks noGrp="1"/>
+          </p:cNvSpPr>
+          <p:nvPr>
+            <p:ph idx="1"/>
+          </p:nvPr>
+        </p:nvSpPr>
+        <p:spPr>
+          <a:xfrm>
+            <a:off x="836680" y="2405067"/>
+            <a:ext cx="6002110" cy="3729034"/>
+          </a:xfrm>
+        </p:spPr>
+        <p:txBody>
+          <a:bodyPr>
+            <a:normAutofit/>
+          </a:bodyPr>
+          <a:lstStyle/>
+          <a:p>
+            <a:r>
+              <a:rPr lang="en-US" sz="2000" dirty="0"/>
+              <a:t>12 quantum chemical tasks</a:t>
+            </a:r>
+          </a:p>
+          <a:p>
+            <a:r>
+              <a:rPr lang="en-US" sz="2000" dirty="0"/>
+              <a:t>Metric: MAE</a:t>
+            </a:r>
+          </a:p>
+          <a:p>
+            <a:r>
+              <a:rPr lang="en-US" sz="2000" dirty="0" err="1"/>
+              <a:t>SoTA</a:t>
+            </a:r>
+            <a:r>
+              <a:rPr lang="en-US" sz="2000" dirty="0"/>
+              <a:t>: D-MPNN (0.00814)</a:t>
+            </a:r>
+          </a:p>
+          <a:p>
+            <a:r>
+              <a:rPr lang="en-US" sz="2000" b="1" dirty="0"/>
+              <a:t>KANG average result:</a:t>
+            </a:r>
+            <a:r>
+              <a:rPr lang="en-US" sz="2000" dirty="0"/>
+              <a:t> 8.5740</a:t>
+            </a:r>
+          </a:p>
+        </p:txBody>
+      </p:sp>
+      <p:pic>
+        <p:nvPicPr>
+          <p:cNvPr id="4" name="Image 0" descr="preencoded.png">
+            <a:extLst>
+              <a:ext uri="{FF2B5EF4-FFF2-40B4-BE49-F238E27FC236}">
+                <a16:creationId xmlns:a16="http://schemas.microsoft.com/office/drawing/2014/main" id="{D7344167-4B0C-F31B-BCDA-BE90F559F174}"/>
+              </a:ext>
+            </a:extLst>
+          </p:cNvPr>
+          <p:cNvPicPr>
+            <a:picLocks noChangeAspect="1"/>
+          </p:cNvPicPr>
+          <p:nvPr/>
+        </p:nvPicPr>
+        <p:blipFill>
+          <a:blip r:embed="rId2"/>
+          <a:srcRect t="8309" r="1" b="1"/>
+          <a:stretch>
+            <a:fillRect/>
+          </a:stretch>
+        </p:blipFill>
+        <p:spPr>
+          <a:xfrm>
+            <a:off x="7199440" y="10"/>
+            <a:ext cx="4992560" cy="6857990"/>
+          </a:xfrm>
+          <a:prstGeom prst="rect">
+            <a:avLst/>
+          </a:prstGeom>
+          <a:effectLst/>
+        </p:spPr>
+      </p:pic>
+    </p:spTree>
+    <p:extLst>
+      <p:ext uri="{BB962C8B-B14F-4D97-AF65-F5344CB8AC3E}">
+        <p14:creationId xmlns:p14="http://schemas.microsoft.com/office/powerpoint/2010/main" val="50167360"/>
+      </p:ext>
+    </p:extLst>
+  </p:cSld>
+  <p:clrMapOvr>
+    <a:masterClrMapping/>
+  </p:clrMapOvr>
+</p:sld>
+</file>
+
+<file path=ppt/slides/slide13.xml><?xml version="1.0" encoding="utf-8"?>
+<p:sld xmlns:a="http://schemas.openxmlformats.org/drawingml/2006/main" xmlns:r="http://schemas.openxmlformats.org/officeDocument/2006/relationships" xmlns:p="http://schemas.openxmlformats.org/presentationml/2006/main">
+  <p:cSld>
+    <p:spTree>
+      <p:nvGrpSpPr>
         <p:cNvPr id="1" name=""/>
         <p:cNvGrpSpPr/>
         <p:nvPr/>
@@ -13701,14 +14685,14 @@
             <p:ph idx="1"/>
             <p:extLst>
               <p:ext uri="{D42A27DB-BD31-4B8C-83A1-F6EECF244321}">
-                <p14:modId xmlns:p14="http://schemas.microsoft.com/office/powerpoint/2010/main" val="21425242"/>
+                <p14:modId xmlns:p14="http://schemas.microsoft.com/office/powerpoint/2010/main" val="1234034449"/>
               </p:ext>
             </p:extLst>
           </p:nvPr>
         </p:nvGraphicFramePr>
         <p:xfrm>
           <a:off x="838200" y="2501900"/>
-          <a:ext cx="10515600" cy="1854200"/>
+          <a:ext cx="10515600" cy="2123440"/>
         </p:xfrm>
         <a:graphic>
           <a:graphicData uri="http://schemas.openxmlformats.org/drawingml/2006/table">
@@ -13717,35 +14701,42 @@
                 <a:tableStyleId>{5C22544A-7EE6-4342-B048-85BDC9FD1C3A}</a:tableStyleId>
               </a:tblPr>
               <a:tblGrid>
-                <a:gridCol w="2103120">
+                <a:gridCol w="1752600">
                   <a:extLst>
                     <a:ext uri="{9D8B030D-6E8A-4147-A177-3AD203B41FA5}">
                       <a16:colId xmlns:a16="http://schemas.microsoft.com/office/drawing/2014/main" val="610491296"/>
                     </a:ext>
                   </a:extLst>
                 </a:gridCol>
-                <a:gridCol w="2103120">
+                <a:gridCol w="1752600">
                   <a:extLst>
                     <a:ext uri="{9D8B030D-6E8A-4147-A177-3AD203B41FA5}">
                       <a16:colId xmlns:a16="http://schemas.microsoft.com/office/drawing/2014/main" val="808693700"/>
                     </a:ext>
                   </a:extLst>
                 </a:gridCol>
-                <a:gridCol w="2103120">
+                <a:gridCol w="1752600">
                   <a:extLst>
                     <a:ext uri="{9D8B030D-6E8A-4147-A177-3AD203B41FA5}">
                       <a16:colId xmlns:a16="http://schemas.microsoft.com/office/drawing/2014/main" val="875010333"/>
                     </a:ext>
                   </a:extLst>
                 </a:gridCol>
-                <a:gridCol w="2103120">
+                <a:gridCol w="1752600">
                   <a:extLst>
                     <a:ext uri="{9D8B030D-6E8A-4147-A177-3AD203B41FA5}">
                       <a16:colId xmlns:a16="http://schemas.microsoft.com/office/drawing/2014/main" val="1945939661"/>
                     </a:ext>
                   </a:extLst>
                 </a:gridCol>
-                <a:gridCol w="2103120">
+                <a:gridCol w="1752600">
+                  <a:extLst>
+                    <a:ext uri="{9D8B030D-6E8A-4147-A177-3AD203B41FA5}">
+                      <a16:colId xmlns:a16="http://schemas.microsoft.com/office/drawing/2014/main" val="2154218193"/>
+                    </a:ext>
+                  </a:extLst>
+                </a:gridCol>
+                <a:gridCol w="1752600">
                   <a:extLst>
                     <a:ext uri="{9D8B030D-6E8A-4147-A177-3AD203B41FA5}">
                       <a16:colId xmlns:a16="http://schemas.microsoft.com/office/drawing/2014/main" val="2744983209"/>
@@ -13826,6 +14817,34 @@
                       <a:pPr algn="ctr"/>
                       <a:r>
                         <a:rPr lang="en-US" dirty="0"/>
+                        <a:t>Previous</a:t>
+                      </a:r>
+                    </a:p>
+                    <a:p>
+                      <a:pPr algn="ctr"/>
+                      <a:r>
+                        <a:rPr lang="en-US" dirty="0"/>
+                        <a:t>KANG Value</a:t>
+                      </a:r>
+                    </a:p>
+                  </a:txBody>
+                  <a:tcPr/>
+                </a:tc>
+                <a:tc>
+                  <a:txBody>
+                    <a:bodyPr/>
+                    <a:lstStyle/>
+                    <a:p>
+                      <a:pPr algn="ctr"/>
+                      <a:r>
+                        <a:rPr lang="en-US" dirty="0"/>
+                        <a:t>Updated </a:t>
+                      </a:r>
+                    </a:p>
+                    <a:p>
+                      <a:pPr algn="ctr"/>
+                      <a:r>
+                        <a:rPr lang="en-US" dirty="0"/>
                         <a:t>KANG Value</a:t>
                       </a:r>
                     </a:p>
@@ -13889,7 +14908,7 @@
                       <a:pPr algn="ctr"/>
                       <a:r>
                         <a:rPr lang="en-US" b="1" dirty="0"/>
-                        <a:t>0.0190</a:t>
+                        <a:t>0.0163</a:t>
                       </a:r>
                     </a:p>
                   </a:txBody>
@@ -13904,6 +14923,20 @@
                       <a:r>
                         <a:rPr lang="en-US" dirty="0"/>
                         <a:t>0.0221</a:t>
+                      </a:r>
+                    </a:p>
+                  </a:txBody>
+                  <a:tcPr/>
+                </a:tc>
+                <a:tc>
+                  <a:txBody>
+                    <a:bodyPr/>
+                    <a:lstStyle/>
+                    <a:p>
+                      <a:pPr algn="ctr"/>
+                      <a:r>
+                        <a:rPr lang="en-US" dirty="0"/>
+                        <a:t>0.0164</a:t>
                       </a:r>
                     </a:p>
                   </a:txBody>
@@ -13966,7 +14999,7 @@
                       <a:pPr algn="ctr"/>
                       <a:r>
                         <a:rPr lang="en-US" b="1" dirty="0"/>
-                        <a:t>0.00814</a:t>
+                        <a:t>2.694</a:t>
                       </a:r>
                     </a:p>
                   </a:txBody>
@@ -13981,6 +15014,20 @@
                       <a:r>
                         <a:rPr lang="en-US" dirty="0"/>
                         <a:t>7.1407</a:t>
+                      </a:r>
+                    </a:p>
+                  </a:txBody>
+                  <a:tcPr/>
+                </a:tc>
+                <a:tc>
+                  <a:txBody>
+                    <a:bodyPr/>
+                    <a:lstStyle/>
+                    <a:p>
+                      <a:pPr algn="ctr"/>
+                      <a:r>
+                        <a:rPr lang="en-US" dirty="0"/>
+                        <a:t>8.5740</a:t>
                       </a:r>
                     </a:p>
                   </a:txBody>
@@ -14042,8 +15089,38 @@
                     <a:p>
                       <a:pPr algn="ctr"/>
                       <a:r>
-                        <a:rPr lang="en-US" b="1" dirty="0"/>
+                        <a:rPr lang="en-US" b="0" dirty="0"/>
                         <a:t>0.8063</a:t>
+                      </a:r>
+                    </a:p>
+                  </a:txBody>
+                  <a:tcPr/>
+                </a:tc>
+                <a:tc>
+                  <a:txBody>
+                    <a:bodyPr/>
+                    <a:lstStyle/>
+                    <a:p>
+                      <a:pPr marL="0" marR="0" lvl="0" indent="0" algn="ctr" defTabSz="914400" rtl="0" eaLnBrk="1" fontAlgn="auto" latinLnBrk="0" hangingPunct="1">
+                        <a:lnSpc>
+                          <a:spcPct val="100000"/>
+                        </a:lnSpc>
+                        <a:spcBef>
+                          <a:spcPts val="0"/>
+                        </a:spcBef>
+                        <a:spcAft>
+                          <a:spcPts val="0"/>
+                        </a:spcAft>
+                        <a:buClrTx/>
+                        <a:buSzTx/>
+                        <a:buFontTx/>
+                        <a:buNone/>
+                        <a:tabLst/>
+                        <a:defRPr/>
+                      </a:pPr>
+                      <a:r>
+                        <a:rPr lang="en-US" dirty="0"/>
+                        <a:t>0.6997</a:t>
                       </a:r>
                     </a:p>
                   </a:txBody>
@@ -14056,8 +15133,8 @@
                     <a:p>
                       <a:pPr algn="ctr"/>
                       <a:r>
-                        <a:rPr lang="en-US" dirty="0"/>
-                        <a:t>0.6997</a:t>
+                        <a:rPr lang="en-US" b="1" dirty="0"/>
+                        <a:t>0.8104</a:t>
                       </a:r>
                     </a:p>
                   </a:txBody>
@@ -14133,10 +15210,56 @@
                     <a:bodyPr/>
                     <a:lstStyle/>
                     <a:p>
-                      <a:pPr algn="ctr"/>
+                      <a:pPr marL="0" marR="0" lvl="0" indent="0" algn="ctr" defTabSz="914400" rtl="0" eaLnBrk="1" fontAlgn="auto" latinLnBrk="0" hangingPunct="1">
+                        <a:lnSpc>
+                          <a:spcPct val="100000"/>
+                        </a:lnSpc>
+                        <a:spcBef>
+                          <a:spcPts val="0"/>
+                        </a:spcBef>
+                        <a:spcAft>
+                          <a:spcPts val="0"/>
+                        </a:spcAft>
+                        <a:buClrTx/>
+                        <a:buSzTx/>
+                        <a:buFontTx/>
+                        <a:buNone/>
+                        <a:tabLst/>
+                        <a:defRPr/>
+                      </a:pPr>
                       <a:r>
                         <a:rPr lang="en-US" dirty="0"/>
                         <a:t>0.7896</a:t>
+                      </a:r>
+                    </a:p>
+                  </a:txBody>
+                  <a:tcPr/>
+                </a:tc>
+                <a:tc>
+                  <a:txBody>
+                    <a:bodyPr/>
+                    <a:lstStyle/>
+                    <a:p>
+                      <a:pPr marL="0" marR="0" lvl="0" indent="0" algn="ctr" defTabSz="914400" rtl="0" eaLnBrk="1" fontAlgn="auto" latinLnBrk="0" hangingPunct="1">
+                        <a:lnSpc>
+                          <a:spcPct val="100000"/>
+                        </a:lnSpc>
+                        <a:spcBef>
+                          <a:spcPts val="0"/>
+                        </a:spcBef>
+                        <a:spcAft>
+                          <a:spcPts val="0"/>
+                        </a:spcAft>
+                        <a:buClrTx/>
+                        <a:buSzTx/>
+                        <a:buFontTx/>
+                        <a:buNone/>
+                        <a:tabLst/>
+                        <a:defRPr/>
+                      </a:pPr>
+                      <a:r>
+                        <a:rPr lang="en-US" b="1" dirty="0"/>
+                        <a:t>0.7922</a:t>
                       </a:r>
                     </a:p>
                   </a:txBody>
@@ -14152,6 +15275,76 @@
           </a:graphicData>
         </a:graphic>
       </p:graphicFrame>
+      <p:sp>
+        <p:nvSpPr>
+          <p:cNvPr id="6" name="TextBox 5">
+            <a:extLst>
+              <a:ext uri="{FF2B5EF4-FFF2-40B4-BE49-F238E27FC236}">
+                <a16:creationId xmlns:a16="http://schemas.microsoft.com/office/drawing/2014/main" id="{A44D7AB2-622D-2D78-4BBE-C4C0F28EF81B}"/>
+              </a:ext>
+            </a:extLst>
+          </p:cNvPr>
+          <p:cNvSpPr txBox="1"/>
+          <p:nvPr/>
+        </p:nvSpPr>
+        <p:spPr>
+          <a:xfrm>
+            <a:off x="308610" y="5139035"/>
+            <a:ext cx="11574780" cy="954107"/>
+          </a:xfrm>
+          <a:prstGeom prst="rect">
+            <a:avLst/>
+          </a:prstGeom>
+          <a:noFill/>
+        </p:spPr>
+        <p:txBody>
+          <a:bodyPr wrap="square">
+            <a:spAutoFit/>
+          </a:bodyPr>
+          <a:lstStyle/>
+          <a:p>
+            <a:pPr marL="285750" indent="-285750">
+              <a:buFont typeface="Arial" panose="020B0604020202020204" pitchFamily="34" charset="0"/>
+              <a:buChar char="•"/>
+            </a:pPr>
+            <a:r>
+              <a:rPr lang="en-US" sz="2800" b="1" dirty="0"/>
+              <a:t>Improvements</a:t>
+            </a:r>
+            <a:r>
+              <a:rPr lang="en-US" sz="2800" dirty="0"/>
+              <a:t> on QM8, HIV, </a:t>
+            </a:r>
+            <a:r>
+              <a:rPr lang="en-US" sz="2800" dirty="0" err="1"/>
+              <a:t>ToxCast</a:t>
+            </a:r>
+            <a:endParaRPr lang="en-US" sz="2800" dirty="0"/>
+          </a:p>
+          <a:p>
+            <a:pPr marL="285750" indent="-285750">
+              <a:buFont typeface="Arial" panose="020B0604020202020204" pitchFamily="34" charset="0"/>
+              <a:buChar char="•"/>
+            </a:pPr>
+            <a:r>
+              <a:rPr lang="en-US" sz="2800" b="1" dirty="0"/>
+              <a:t>QM9</a:t>
+            </a:r>
+            <a:r>
+              <a:rPr lang="en-US" sz="2800" dirty="0"/>
+              <a:t> still </a:t>
+            </a:r>
+            <a:r>
+              <a:rPr lang="en-US" sz="2800" b="1" dirty="0"/>
+              <a:t>underperforms</a:t>
+            </a:r>
+            <a:r>
+              <a:rPr lang="en-US" sz="2800" dirty="0"/>
+              <a:t> despite retraining with best hyperparameters.</a:t>
+            </a:r>
+          </a:p>
+        </p:txBody>
+      </p:sp>
     </p:spTree>
     <p:extLst>
       <p:ext uri="{BB962C8B-B14F-4D97-AF65-F5344CB8AC3E}">
@@ -14165,7 +15358,7 @@
 </p:sld>
 </file>
 
-<file path=ppt/slides/slide11.xml><?xml version="1.0" encoding="utf-8"?>
+<file path=ppt/slides/slide14.xml><?xml version="1.0" encoding="utf-8"?>
 <p:sld xmlns:a="http://schemas.openxmlformats.org/drawingml/2006/main" xmlns:r="http://schemas.openxmlformats.org/officeDocument/2006/relationships" xmlns:p="http://schemas.openxmlformats.org/presentationml/2006/main">
   <p:cSld>
     <p:spTree>
@@ -14207,7 +15400,7 @@
         </p:blipFill>
         <p:spPr>
           <a:xfrm>
-            <a:off x="20" y="1"/>
+            <a:off x="20" y="0"/>
             <a:ext cx="12191980" cy="6857999"/>
           </a:xfrm>
           <a:prstGeom prst="rect">
@@ -14282,13 +15475,13 @@
             </a:r>
             <a:r>
               <a:rPr lang="en-US" dirty="0"/>
-              <a:t> comparable performance, but only 5 out of the total tasks were evaluated</a:t>
+              <a:t> better performance, but only 5 out of the total tasks were evaluated</a:t>
             </a:r>
           </a:p>
           <a:p>
             <a:r>
               <a:rPr lang="en-US" dirty="0"/>
-              <a:t>Slightly worse performance for HIV</a:t>
+              <a:t>Better performance for HIV</a:t>
             </a:r>
           </a:p>
           <a:p>
@@ -14332,7 +15525,7 @@
 </p:sld>
 </file>
 
-<file path=ppt/slides/slide12.xml><?xml version="1.0" encoding="utf-8"?>
+<file path=ppt/slides/slide15.xml><?xml version="1.0" encoding="utf-8"?>
 <p:sld xmlns:a="http://schemas.openxmlformats.org/drawingml/2006/main" xmlns:r="http://schemas.openxmlformats.org/officeDocument/2006/relationships" xmlns:p="http://schemas.openxmlformats.org/presentationml/2006/main">
   <p:cSld>
     <p:bg>
@@ -15396,6 +16589,11 @@
           </p:cNvGraphicFramePr>
           <p:nvPr>
             <p:ph idx="1"/>
+            <p:extLst>
+              <p:ext uri="{D42A27DB-BD31-4B8C-83A1-F6EECF244321}">
+                <p14:modId xmlns:p14="http://schemas.microsoft.com/office/powerpoint/2010/main" val="1600369983"/>
+              </p:ext>
+            </p:extLst>
           </p:nvPr>
         </p:nvGraphicFramePr>
         <p:xfrm>
@@ -15422,6 +16620,851 @@
 </file>
 
 <file path=ppt/slides/slide6.xml><?xml version="1.0" encoding="utf-8"?>
+<p:sld xmlns:a="http://schemas.openxmlformats.org/drawingml/2006/main" xmlns:r="http://schemas.openxmlformats.org/officeDocument/2006/relationships" xmlns:p="http://schemas.openxmlformats.org/presentationml/2006/main">
+  <p:cSld>
+    <p:spTree>
+      <p:nvGrpSpPr>
+        <p:cNvPr id="1" name="">
+          <a:extLst>
+            <a:ext uri="{FF2B5EF4-FFF2-40B4-BE49-F238E27FC236}">
+              <a16:creationId xmlns:a16="http://schemas.microsoft.com/office/drawing/2014/main" id="{42B84860-DCC6-8DED-A3C6-38D04DB76584}"/>
+            </a:ext>
+          </a:extLst>
+        </p:cNvPr>
+        <p:cNvGrpSpPr/>
+        <p:nvPr/>
+      </p:nvGrpSpPr>
+      <p:grpSpPr>
+        <a:xfrm>
+          <a:off x="0" y="0"/>
+          <a:ext cx="0" cy="0"/>
+          <a:chOff x="0" y="0"/>
+          <a:chExt cx="0" cy="0"/>
+        </a:xfrm>
+      </p:grpSpPr>
+      <p:pic>
+        <p:nvPicPr>
+          <p:cNvPr id="6" name="Image 0" descr="preencoded.png">
+            <a:extLst>
+              <a:ext uri="{FF2B5EF4-FFF2-40B4-BE49-F238E27FC236}">
+                <a16:creationId xmlns:a16="http://schemas.microsoft.com/office/drawing/2014/main" id="{6F75ECD3-D123-50DA-069E-9F7C9FDC9D4F}"/>
+              </a:ext>
+            </a:extLst>
+          </p:cNvPr>
+          <p:cNvPicPr>
+            <a:picLocks noChangeAspect="1"/>
+          </p:cNvPicPr>
+          <p:nvPr/>
+        </p:nvPicPr>
+        <p:blipFill>
+          <a:blip r:embed="rId2">
+            <a:alphaModFix amt="40000"/>
+          </a:blip>
+          <a:srcRect t="38182" b="24271"/>
+          <a:stretch>
+            <a:fillRect/>
+          </a:stretch>
+        </p:blipFill>
+        <p:spPr>
+          <a:xfrm>
+            <a:off x="20" y="1"/>
+            <a:ext cx="12191980" cy="6857999"/>
+          </a:xfrm>
+          <a:prstGeom prst="rect">
+            <a:avLst/>
+          </a:prstGeom>
+        </p:spPr>
+      </p:pic>
+      <p:sp>
+        <p:nvSpPr>
+          <p:cNvPr id="2" name="Title 1">
+            <a:extLst>
+              <a:ext uri="{FF2B5EF4-FFF2-40B4-BE49-F238E27FC236}">
+                <a16:creationId xmlns:a16="http://schemas.microsoft.com/office/drawing/2014/main" id="{43B3B32B-ABB5-A8F9-C4E7-AC611465BA44}"/>
+              </a:ext>
+            </a:extLst>
+          </p:cNvPr>
+          <p:cNvSpPr>
+            <a:spLocks noGrp="1"/>
+          </p:cNvSpPr>
+          <p:nvPr>
+            <p:ph type="title"/>
+          </p:nvPr>
+        </p:nvSpPr>
+        <p:spPr/>
+        <p:txBody>
+          <a:bodyPr/>
+          <a:lstStyle/>
+          <a:p>
+            <a:r>
+              <a:rPr lang="en-US" b="1" dirty="0"/>
+              <a:t>Improvements</a:t>
+            </a:r>
+            <a:endParaRPr lang="en-US" dirty="0"/>
+          </a:p>
+        </p:txBody>
+      </p:sp>
+      <p:sp>
+        <p:nvSpPr>
+          <p:cNvPr id="4" name="Content Placeholder 3">
+            <a:extLst>
+              <a:ext uri="{FF2B5EF4-FFF2-40B4-BE49-F238E27FC236}">
+                <a16:creationId xmlns:a16="http://schemas.microsoft.com/office/drawing/2014/main" id="{C961CC5B-CDDA-BD89-2B5D-9FD4A872A5A5}"/>
+              </a:ext>
+            </a:extLst>
+          </p:cNvPr>
+          <p:cNvSpPr>
+            <a:spLocks noGrp="1"/>
+          </p:cNvSpPr>
+          <p:nvPr>
+            <p:ph idx="1"/>
+          </p:nvPr>
+        </p:nvSpPr>
+        <p:spPr/>
+        <p:txBody>
+          <a:bodyPr/>
+          <a:lstStyle/>
+          <a:p>
+            <a:r>
+              <a:rPr lang="en-US" dirty="0"/>
+              <a:t>Improve performance of the KANG model on regression and classification molecular datasets.</a:t>
+            </a:r>
+          </a:p>
+          <a:p>
+            <a:r>
+              <a:rPr lang="en-US" dirty="0"/>
+              <a:t>Address limitations in feature representation, training configuration, and loss function design.</a:t>
+            </a:r>
+          </a:p>
+        </p:txBody>
+      </p:sp>
+    </p:spTree>
+    <p:extLst>
+      <p:ext uri="{BB962C8B-B14F-4D97-AF65-F5344CB8AC3E}">
+        <p14:creationId xmlns:p14="http://schemas.microsoft.com/office/powerpoint/2010/main" val="2638919799"/>
+      </p:ext>
+    </p:extLst>
+  </p:cSld>
+  <p:clrMapOvr>
+    <a:masterClrMapping/>
+  </p:clrMapOvr>
+</p:sld>
+</file>
+
+<file path=ppt/slides/slide7.xml><?xml version="1.0" encoding="utf-8"?>
+<p:sld xmlns:a="http://schemas.openxmlformats.org/drawingml/2006/main" xmlns:r="http://schemas.openxmlformats.org/officeDocument/2006/relationships" xmlns:p="http://schemas.openxmlformats.org/presentationml/2006/main">
+  <p:cSld>
+    <p:spTree>
+      <p:nvGrpSpPr>
+        <p:cNvPr id="1" name="">
+          <a:extLst>
+            <a:ext uri="{FF2B5EF4-FFF2-40B4-BE49-F238E27FC236}">
+              <a16:creationId xmlns:a16="http://schemas.microsoft.com/office/drawing/2014/main" id="{F3B7262D-7E40-2F6D-81B0-D3D0C2350563}"/>
+            </a:ext>
+          </a:extLst>
+        </p:cNvPr>
+        <p:cNvGrpSpPr/>
+        <p:nvPr/>
+      </p:nvGrpSpPr>
+      <p:grpSpPr>
+        <a:xfrm>
+          <a:off x="0" y="0"/>
+          <a:ext cx="0" cy="0"/>
+          <a:chOff x="0" y="0"/>
+          <a:chExt cx="0" cy="0"/>
+        </a:xfrm>
+      </p:grpSpPr>
+      <p:pic>
+        <p:nvPicPr>
+          <p:cNvPr id="6" name="Image 0" descr="preencoded.png">
+            <a:extLst>
+              <a:ext uri="{FF2B5EF4-FFF2-40B4-BE49-F238E27FC236}">
+                <a16:creationId xmlns:a16="http://schemas.microsoft.com/office/drawing/2014/main" id="{AAA9E84F-B72A-9D9B-2EF9-FD2EC441828E}"/>
+              </a:ext>
+            </a:extLst>
+          </p:cNvPr>
+          <p:cNvPicPr>
+            <a:picLocks noChangeAspect="1"/>
+          </p:cNvPicPr>
+          <p:nvPr/>
+        </p:nvPicPr>
+        <p:blipFill>
+          <a:blip r:embed="rId2">
+            <a:alphaModFix amt="40000"/>
+          </a:blip>
+          <a:srcRect t="38182" b="24271"/>
+          <a:stretch>
+            <a:fillRect/>
+          </a:stretch>
+        </p:blipFill>
+        <p:spPr>
+          <a:xfrm>
+            <a:off x="20" y="1"/>
+            <a:ext cx="12191980" cy="6857999"/>
+          </a:xfrm>
+          <a:prstGeom prst="rect">
+            <a:avLst/>
+          </a:prstGeom>
+        </p:spPr>
+      </p:pic>
+      <p:sp>
+        <p:nvSpPr>
+          <p:cNvPr id="2" name="Title 1">
+            <a:extLst>
+              <a:ext uri="{FF2B5EF4-FFF2-40B4-BE49-F238E27FC236}">
+                <a16:creationId xmlns:a16="http://schemas.microsoft.com/office/drawing/2014/main" id="{6928D4BF-C20D-D50C-8D1F-228540A557CB}"/>
+              </a:ext>
+            </a:extLst>
+          </p:cNvPr>
+          <p:cNvSpPr>
+            <a:spLocks noGrp="1"/>
+          </p:cNvSpPr>
+          <p:nvPr>
+            <p:ph type="title"/>
+          </p:nvPr>
+        </p:nvSpPr>
+        <p:spPr/>
+        <p:txBody>
+          <a:bodyPr/>
+          <a:lstStyle/>
+          <a:p>
+            <a:r>
+              <a:rPr lang="en-US" b="1" dirty="0"/>
+              <a:t>Methodology Updates</a:t>
+            </a:r>
+            <a:endParaRPr lang="en-US" dirty="0"/>
+          </a:p>
+        </p:txBody>
+      </p:sp>
+      <p:sp>
+        <p:nvSpPr>
+          <p:cNvPr id="4" name="Content Placeholder 3">
+            <a:extLst>
+              <a:ext uri="{FF2B5EF4-FFF2-40B4-BE49-F238E27FC236}">
+                <a16:creationId xmlns:a16="http://schemas.microsoft.com/office/drawing/2014/main" id="{CFF886F5-31B8-7001-354A-7F6EDF932E09}"/>
+              </a:ext>
+            </a:extLst>
+          </p:cNvPr>
+          <p:cNvSpPr>
+            <a:spLocks noGrp="1"/>
+          </p:cNvSpPr>
+          <p:nvPr>
+            <p:ph idx="1"/>
+          </p:nvPr>
+        </p:nvSpPr>
+        <p:spPr/>
+        <p:txBody>
+          <a:bodyPr>
+            <a:normAutofit fontScale="92500" lnSpcReduction="10000"/>
+          </a:bodyPr>
+          <a:lstStyle/>
+          <a:p>
+            <a:r>
+              <a:rPr lang="en-US" b="1" dirty="0"/>
+              <a:t>Feature Engineering</a:t>
+            </a:r>
+          </a:p>
+          <a:p>
+            <a:pPr lvl="1"/>
+            <a:r>
+              <a:rPr lang="en-US" dirty="0"/>
+              <a:t>Added three new atom features.</a:t>
+            </a:r>
+          </a:p>
+          <a:p>
+            <a:pPr lvl="1"/>
+            <a:r>
+              <a:rPr lang="en-US" dirty="0"/>
+              <a:t>Normalized two numeric atom features (others were one-hot already).</a:t>
+            </a:r>
+          </a:p>
+          <a:p>
+            <a:r>
+              <a:rPr lang="en-US" b="1" dirty="0"/>
+              <a:t>Training Configuration</a:t>
+            </a:r>
+          </a:p>
+          <a:p>
+            <a:pPr lvl="1"/>
+            <a:r>
+              <a:rPr lang="en-US" dirty="0"/>
+              <a:t>Expanded hyperparameters search grid.</a:t>
+            </a:r>
+          </a:p>
+          <a:p>
+            <a:pPr lvl="1"/>
+            <a:r>
+              <a:rPr lang="en-US" dirty="0"/>
+              <a:t>Compressed grid values to [-1.1, 1.1].</a:t>
+            </a:r>
+          </a:p>
+          <a:p>
+            <a:pPr lvl="1"/>
+            <a:r>
+              <a:rPr lang="en-US" dirty="0"/>
+              <a:t>Extended epochs and early stopping patience.</a:t>
+            </a:r>
+          </a:p>
+          <a:p>
+            <a:pPr marL="228600" lvl="1">
+              <a:spcBef>
+                <a:spcPts val="1000"/>
+              </a:spcBef>
+            </a:pPr>
+            <a:r>
+              <a:rPr lang="en-US" sz="2800" b="1" dirty="0"/>
+              <a:t>New Classification Loss</a:t>
+            </a:r>
+          </a:p>
+          <a:p>
+            <a:pPr lvl="1"/>
+            <a:r>
+              <a:rPr lang="en-US" dirty="0"/>
+              <a:t>Implemented Focal Loss for graph classification tasks.</a:t>
+            </a:r>
+          </a:p>
+          <a:p>
+            <a:pPr lvl="1"/>
+            <a:r>
+              <a:rPr lang="en-US" dirty="0"/>
+              <a:t>Helps tackle class imbalance by focusing learning on hard samples.</a:t>
+            </a:r>
+          </a:p>
+          <a:p>
+            <a:pPr lvl="1"/>
+            <a:r>
+              <a:rPr lang="en-US" dirty="0"/>
+              <a:t>we introduced </a:t>
+            </a:r>
+            <a:r>
+              <a:rPr lang="en-US" sz="2600" b="1" dirty="0" err="1"/>
+              <a:t>FocalLoss</a:t>
+            </a:r>
+            <a:r>
+              <a:rPr lang="en-US" dirty="0"/>
+              <a:t> to improve robustness on imbalanced data.</a:t>
+            </a:r>
+          </a:p>
+          <a:p>
+            <a:pPr marL="228600" lvl="1">
+              <a:spcBef>
+                <a:spcPts val="1000"/>
+              </a:spcBef>
+            </a:pPr>
+            <a:endParaRPr lang="en-US" sz="2800" b="1" dirty="0"/>
+          </a:p>
+        </p:txBody>
+      </p:sp>
+    </p:spTree>
+    <p:extLst>
+      <p:ext uri="{BB962C8B-B14F-4D97-AF65-F5344CB8AC3E}">
+        <p14:creationId xmlns:p14="http://schemas.microsoft.com/office/powerpoint/2010/main" val="869821159"/>
+      </p:ext>
+    </p:extLst>
+  </p:cSld>
+  <p:clrMapOvr>
+    <a:masterClrMapping/>
+  </p:clrMapOvr>
+</p:sld>
+</file>
+
+<file path=ppt/slides/slide8.xml><?xml version="1.0" encoding="utf-8"?>
+<p:sld xmlns:a="http://schemas.openxmlformats.org/drawingml/2006/main" xmlns:r="http://schemas.openxmlformats.org/officeDocument/2006/relationships" xmlns:p="http://schemas.openxmlformats.org/presentationml/2006/main">
+  <p:cSld>
+    <p:spTree>
+      <p:nvGrpSpPr>
+        <p:cNvPr id="1" name="">
+          <a:extLst>
+            <a:ext uri="{FF2B5EF4-FFF2-40B4-BE49-F238E27FC236}">
+              <a16:creationId xmlns:a16="http://schemas.microsoft.com/office/drawing/2014/main" id="{F6837439-F6AA-2B8E-E4A7-4447ECF74045}"/>
+            </a:ext>
+          </a:extLst>
+        </p:cNvPr>
+        <p:cNvGrpSpPr/>
+        <p:nvPr/>
+      </p:nvGrpSpPr>
+      <p:grpSpPr>
+        <a:xfrm>
+          <a:off x="0" y="0"/>
+          <a:ext cx="0" cy="0"/>
+          <a:chOff x="0" y="0"/>
+          <a:chExt cx="0" cy="0"/>
+        </a:xfrm>
+      </p:grpSpPr>
+      <p:pic>
+        <p:nvPicPr>
+          <p:cNvPr id="6" name="Image 0" descr="preencoded.png">
+            <a:extLst>
+              <a:ext uri="{FF2B5EF4-FFF2-40B4-BE49-F238E27FC236}">
+                <a16:creationId xmlns:a16="http://schemas.microsoft.com/office/drawing/2014/main" id="{C3F8885E-B296-671F-ABDA-9DD7913759F2}"/>
+              </a:ext>
+            </a:extLst>
+          </p:cNvPr>
+          <p:cNvPicPr>
+            <a:picLocks noChangeAspect="1"/>
+          </p:cNvPicPr>
+          <p:nvPr/>
+        </p:nvPicPr>
+        <p:blipFill>
+          <a:blip r:embed="rId2">
+            <a:alphaModFix amt="40000"/>
+          </a:blip>
+          <a:srcRect t="38182" b="24271"/>
+          <a:stretch>
+            <a:fillRect/>
+          </a:stretch>
+        </p:blipFill>
+        <p:spPr>
+          <a:xfrm>
+            <a:off x="20" y="1"/>
+            <a:ext cx="12191980" cy="6857999"/>
+          </a:xfrm>
+          <a:prstGeom prst="rect">
+            <a:avLst/>
+          </a:prstGeom>
+        </p:spPr>
+      </p:pic>
+      <p:sp>
+        <p:nvSpPr>
+          <p:cNvPr id="2" name="Title 1">
+            <a:extLst>
+              <a:ext uri="{FF2B5EF4-FFF2-40B4-BE49-F238E27FC236}">
+                <a16:creationId xmlns:a16="http://schemas.microsoft.com/office/drawing/2014/main" id="{2F404031-D4F2-2D34-5165-373A3421B803}"/>
+              </a:ext>
+            </a:extLst>
+          </p:cNvPr>
+          <p:cNvSpPr>
+            <a:spLocks noGrp="1"/>
+          </p:cNvSpPr>
+          <p:nvPr>
+            <p:ph type="title"/>
+          </p:nvPr>
+        </p:nvSpPr>
+        <p:spPr/>
+        <p:txBody>
+          <a:bodyPr/>
+          <a:lstStyle/>
+          <a:p>
+            <a:r>
+              <a:rPr lang="en-US" b="1" dirty="0"/>
+              <a:t>Breakdown of HIV Dataset</a:t>
+            </a:r>
+            <a:endParaRPr lang="en-US" dirty="0"/>
+          </a:p>
+        </p:txBody>
+      </p:sp>
+      <p:graphicFrame>
+        <p:nvGraphicFramePr>
+          <p:cNvPr id="5" name="Content Placeholder 3">
+            <a:extLst>
+              <a:ext uri="{FF2B5EF4-FFF2-40B4-BE49-F238E27FC236}">
+                <a16:creationId xmlns:a16="http://schemas.microsoft.com/office/drawing/2014/main" id="{4B306EE1-8AD9-126A-18F8-D96303290EBA}"/>
+              </a:ext>
+            </a:extLst>
+          </p:cNvPr>
+          <p:cNvGraphicFramePr>
+            <a:graphicFrameLocks/>
+          </p:cNvGraphicFramePr>
+          <p:nvPr>
+            <p:extLst>
+              <p:ext uri="{D42A27DB-BD31-4B8C-83A1-F6EECF244321}">
+                <p14:modId xmlns:p14="http://schemas.microsoft.com/office/powerpoint/2010/main" val="3259874482"/>
+              </p:ext>
+            </p:extLst>
+          </p:nvPr>
+        </p:nvGraphicFramePr>
+        <p:xfrm>
+          <a:off x="1101090" y="3311872"/>
+          <a:ext cx="9989820" cy="2184720"/>
+        </p:xfrm>
+        <a:graphic>
+          <a:graphicData uri="http://schemas.openxmlformats.org/drawingml/2006/table">
+            <a:tbl>
+              <a:tblPr firstRow="1" bandRow="1">
+                <a:tableStyleId>{5C22544A-7EE6-4342-B048-85BDC9FD1C3A}</a:tableStyleId>
+              </a:tblPr>
+              <a:tblGrid>
+                <a:gridCol w="3329940">
+                  <a:extLst>
+                    <a:ext uri="{9D8B030D-6E8A-4147-A177-3AD203B41FA5}">
+                      <a16:colId xmlns:a16="http://schemas.microsoft.com/office/drawing/2014/main" val="610491296"/>
+                    </a:ext>
+                  </a:extLst>
+                </a:gridCol>
+                <a:gridCol w="3329940">
+                  <a:extLst>
+                    <a:ext uri="{9D8B030D-6E8A-4147-A177-3AD203B41FA5}">
+                      <a16:colId xmlns:a16="http://schemas.microsoft.com/office/drawing/2014/main" val="808693700"/>
+                    </a:ext>
+                  </a:extLst>
+                </a:gridCol>
+                <a:gridCol w="3329940">
+                  <a:extLst>
+                    <a:ext uri="{9D8B030D-6E8A-4147-A177-3AD203B41FA5}">
+                      <a16:colId xmlns:a16="http://schemas.microsoft.com/office/drawing/2014/main" val="875010333"/>
+                    </a:ext>
+                  </a:extLst>
+                </a:gridCol>
+              </a:tblGrid>
+              <a:tr h="546180">
+                <a:tc>
+                  <a:txBody>
+                    <a:bodyPr/>
+                    <a:lstStyle/>
+                    <a:p>
+                      <a:pPr marL="0" algn="ctr" defTabSz="914400" rtl="0" eaLnBrk="1" latinLnBrk="0" hangingPunct="1"/>
+                      <a:r>
+                        <a:rPr lang="en-US" sz="1800" b="1" kern="1200" dirty="0">
+                          <a:solidFill>
+                            <a:schemeClr val="lt1"/>
+                          </a:solidFill>
+                          <a:latin typeface="+mn-lt"/>
+                          <a:ea typeface="+mn-ea"/>
+                          <a:cs typeface="+mn-cs"/>
+                        </a:rPr>
+                        <a:t>Class</a:t>
+                      </a:r>
+                    </a:p>
+                  </a:txBody>
+                  <a:tcPr anchor="ctr"/>
+                </a:tc>
+                <a:tc>
+                  <a:txBody>
+                    <a:bodyPr/>
+                    <a:lstStyle/>
+                    <a:p>
+                      <a:pPr marL="0" algn="ctr" defTabSz="914400" rtl="0" eaLnBrk="1" latinLnBrk="0" hangingPunct="1"/>
+                      <a:r>
+                        <a:rPr lang="en-US" sz="1800" b="1" kern="1200" dirty="0">
+                          <a:solidFill>
+                            <a:schemeClr val="lt1"/>
+                          </a:solidFill>
+                          <a:latin typeface="+mn-lt"/>
+                          <a:ea typeface="+mn-ea"/>
+                          <a:cs typeface="+mn-cs"/>
+                        </a:rPr>
+                        <a:t>Count</a:t>
+                      </a:r>
+                    </a:p>
+                  </a:txBody>
+                  <a:tcPr anchor="ctr"/>
+                </a:tc>
+                <a:tc>
+                  <a:txBody>
+                    <a:bodyPr/>
+                    <a:lstStyle/>
+                    <a:p>
+                      <a:pPr marL="0" algn="ctr" defTabSz="914400" rtl="0" eaLnBrk="1" latinLnBrk="0" hangingPunct="1"/>
+                      <a:r>
+                        <a:rPr lang="en-US" sz="1800" b="1" kern="1200" dirty="0">
+                          <a:solidFill>
+                            <a:schemeClr val="lt1"/>
+                          </a:solidFill>
+                          <a:latin typeface="+mn-lt"/>
+                          <a:ea typeface="+mn-ea"/>
+                          <a:cs typeface="+mn-cs"/>
+                        </a:rPr>
+                        <a:t>Proportion</a:t>
+                      </a:r>
+                    </a:p>
+                  </a:txBody>
+                  <a:tcPr anchor="ctr"/>
+                </a:tc>
+                <a:extLst>
+                  <a:ext uri="{0D108BD9-81ED-4DB2-BD59-A6C34878D82A}">
+                    <a16:rowId xmlns:a16="http://schemas.microsoft.com/office/drawing/2014/main" val="1430859327"/>
+                  </a:ext>
+                </a:extLst>
+              </a:tr>
+              <a:tr h="546180">
+                <a:tc>
+                  <a:txBody>
+                    <a:bodyPr/>
+                    <a:lstStyle/>
+                    <a:p>
+                      <a:pPr marL="0" algn="ctr" defTabSz="914400" rtl="0" eaLnBrk="1" latinLnBrk="0" hangingPunct="1"/>
+                      <a:r>
+                        <a:rPr lang="en-US" sz="1800" b="1" kern="1200" dirty="0">
+                          <a:solidFill>
+                            <a:schemeClr val="tx1"/>
+                          </a:solidFill>
+                          <a:latin typeface="+mn-lt"/>
+                          <a:ea typeface="+mn-ea"/>
+                          <a:cs typeface="+mn-cs"/>
+                        </a:rPr>
+                        <a:t>Negative (0)</a:t>
+                      </a:r>
+                    </a:p>
+                  </a:txBody>
+                  <a:tcPr anchor="ctr"/>
+                </a:tc>
+                <a:tc>
+                  <a:txBody>
+                    <a:bodyPr/>
+                    <a:lstStyle/>
+                    <a:p>
+                      <a:pPr marL="0" algn="ctr" defTabSz="914400" rtl="0" eaLnBrk="1" latinLnBrk="0" hangingPunct="1"/>
+                      <a:r>
+                        <a:rPr lang="en-US" sz="1800" b="0" kern="1200" dirty="0">
+                          <a:solidFill>
+                            <a:schemeClr val="tx1"/>
+                          </a:solidFill>
+                          <a:latin typeface="+mn-lt"/>
+                          <a:ea typeface="+mn-ea"/>
+                          <a:cs typeface="+mn-cs"/>
+                        </a:rPr>
+                        <a:t>39,684</a:t>
+                      </a:r>
+                    </a:p>
+                  </a:txBody>
+                  <a:tcPr anchor="ctr"/>
+                </a:tc>
+                <a:tc>
+                  <a:txBody>
+                    <a:bodyPr/>
+                    <a:lstStyle/>
+                    <a:p>
+                      <a:pPr marL="0" algn="ctr" defTabSz="914400" rtl="0" eaLnBrk="1" latinLnBrk="0" hangingPunct="1"/>
+                      <a:r>
+                        <a:rPr lang="en-US" sz="1800" b="0" kern="1200">
+                          <a:solidFill>
+                            <a:schemeClr val="tx1"/>
+                          </a:solidFill>
+                          <a:latin typeface="+mn-lt"/>
+                          <a:ea typeface="+mn-ea"/>
+                          <a:cs typeface="+mn-cs"/>
+                        </a:rPr>
+                        <a:t>96.49%</a:t>
+                      </a:r>
+                    </a:p>
+                  </a:txBody>
+                  <a:tcPr anchor="ctr"/>
+                </a:tc>
+                <a:extLst>
+                  <a:ext uri="{0D108BD9-81ED-4DB2-BD59-A6C34878D82A}">
+                    <a16:rowId xmlns:a16="http://schemas.microsoft.com/office/drawing/2014/main" val="3097793074"/>
+                  </a:ext>
+                </a:extLst>
+              </a:tr>
+              <a:tr h="546180">
+                <a:tc>
+                  <a:txBody>
+                    <a:bodyPr/>
+                    <a:lstStyle/>
+                    <a:p>
+                      <a:pPr marL="0" algn="ctr" defTabSz="914400" rtl="0" eaLnBrk="1" latinLnBrk="0" hangingPunct="1"/>
+                      <a:r>
+                        <a:rPr lang="en-US" sz="1800" b="1" kern="1200" dirty="0">
+                          <a:solidFill>
+                            <a:schemeClr val="tx1"/>
+                          </a:solidFill>
+                          <a:latin typeface="+mn-lt"/>
+                          <a:ea typeface="+mn-ea"/>
+                          <a:cs typeface="+mn-cs"/>
+                        </a:rPr>
+                        <a:t>Positive (1)</a:t>
+                      </a:r>
+                    </a:p>
+                  </a:txBody>
+                  <a:tcPr anchor="ctr"/>
+                </a:tc>
+                <a:tc>
+                  <a:txBody>
+                    <a:bodyPr/>
+                    <a:lstStyle/>
+                    <a:p>
+                      <a:pPr marL="0" algn="ctr" defTabSz="914400" rtl="0" eaLnBrk="1" latinLnBrk="0" hangingPunct="1"/>
+                      <a:r>
+                        <a:rPr lang="en-US" sz="1800" b="0" kern="1200" dirty="0">
+                          <a:solidFill>
+                            <a:schemeClr val="tx1"/>
+                          </a:solidFill>
+                          <a:latin typeface="+mn-lt"/>
+                          <a:ea typeface="+mn-ea"/>
+                          <a:cs typeface="+mn-cs"/>
+                        </a:rPr>
+                        <a:t>1,443</a:t>
+                      </a:r>
+                    </a:p>
+                  </a:txBody>
+                  <a:tcPr anchor="ctr"/>
+                </a:tc>
+                <a:tc>
+                  <a:txBody>
+                    <a:bodyPr/>
+                    <a:lstStyle/>
+                    <a:p>
+                      <a:pPr marL="0" algn="ctr" defTabSz="914400" rtl="0" eaLnBrk="1" latinLnBrk="0" hangingPunct="1"/>
+                      <a:r>
+                        <a:rPr lang="en-US" sz="1800" b="0" kern="1200" dirty="0">
+                          <a:solidFill>
+                            <a:schemeClr val="tx1"/>
+                          </a:solidFill>
+                          <a:latin typeface="+mn-lt"/>
+                          <a:ea typeface="+mn-ea"/>
+                          <a:cs typeface="+mn-cs"/>
+                        </a:rPr>
+                        <a:t>3.51%</a:t>
+                      </a:r>
+                    </a:p>
+                  </a:txBody>
+                  <a:tcPr anchor="ctr"/>
+                </a:tc>
+                <a:extLst>
+                  <a:ext uri="{0D108BD9-81ED-4DB2-BD59-A6C34878D82A}">
+                    <a16:rowId xmlns:a16="http://schemas.microsoft.com/office/drawing/2014/main" val="1613549681"/>
+                  </a:ext>
+                </a:extLst>
+              </a:tr>
+              <a:tr h="546180">
+                <a:tc>
+                  <a:txBody>
+                    <a:bodyPr/>
+                    <a:lstStyle/>
+                    <a:p>
+                      <a:pPr marL="0" algn="ctr" defTabSz="914400" rtl="0" eaLnBrk="1" latinLnBrk="0" hangingPunct="1"/>
+                      <a:r>
+                        <a:rPr lang="en-US" sz="1800" b="1" kern="1200">
+                          <a:solidFill>
+                            <a:schemeClr val="tx1"/>
+                          </a:solidFill>
+                          <a:latin typeface="+mn-lt"/>
+                          <a:ea typeface="+mn-ea"/>
+                          <a:cs typeface="+mn-cs"/>
+                        </a:rPr>
+                        <a:t>Total</a:t>
+                      </a:r>
+                    </a:p>
+                  </a:txBody>
+                  <a:tcPr anchor="ctr"/>
+                </a:tc>
+                <a:tc>
+                  <a:txBody>
+                    <a:bodyPr/>
+                    <a:lstStyle/>
+                    <a:p>
+                      <a:pPr marL="0" algn="ctr" defTabSz="914400" rtl="0" eaLnBrk="1" latinLnBrk="0" hangingPunct="1"/>
+                      <a:r>
+                        <a:rPr lang="en-US" sz="1800" b="0" kern="1200">
+                          <a:solidFill>
+                            <a:schemeClr val="tx1"/>
+                          </a:solidFill>
+                          <a:latin typeface="+mn-lt"/>
+                          <a:ea typeface="+mn-ea"/>
+                          <a:cs typeface="+mn-cs"/>
+                        </a:rPr>
+                        <a:t>41,127</a:t>
+                      </a:r>
+                    </a:p>
+                  </a:txBody>
+                  <a:tcPr anchor="ctr"/>
+                </a:tc>
+                <a:tc>
+                  <a:txBody>
+                    <a:bodyPr/>
+                    <a:lstStyle/>
+                    <a:p>
+                      <a:pPr marL="0" algn="ctr" defTabSz="914400" rtl="0" eaLnBrk="1" latinLnBrk="0" hangingPunct="1"/>
+                      <a:r>
+                        <a:rPr lang="en-US" sz="1800" b="0" kern="1200" dirty="0">
+                          <a:solidFill>
+                            <a:schemeClr val="tx1"/>
+                          </a:solidFill>
+                          <a:latin typeface="+mn-lt"/>
+                          <a:ea typeface="+mn-ea"/>
+                          <a:cs typeface="+mn-cs"/>
+                        </a:rPr>
+                        <a:t>100%</a:t>
+                      </a:r>
+                    </a:p>
+                  </a:txBody>
+                  <a:tcPr anchor="ctr"/>
+                </a:tc>
+                <a:extLst>
+                  <a:ext uri="{0D108BD9-81ED-4DB2-BD59-A6C34878D82A}">
+                    <a16:rowId xmlns:a16="http://schemas.microsoft.com/office/drawing/2014/main" val="2413413503"/>
+                  </a:ext>
+                </a:extLst>
+              </a:tr>
+            </a:tbl>
+          </a:graphicData>
+        </a:graphic>
+      </p:graphicFrame>
+      <p:sp>
+        <p:nvSpPr>
+          <p:cNvPr id="10" name="TextBox 9">
+            <a:extLst>
+              <a:ext uri="{FF2B5EF4-FFF2-40B4-BE49-F238E27FC236}">
+                <a16:creationId xmlns:a16="http://schemas.microsoft.com/office/drawing/2014/main" id="{1ED52973-3656-35BB-1A02-A33BF3C05E44}"/>
+              </a:ext>
+            </a:extLst>
+          </p:cNvPr>
+          <p:cNvSpPr txBox="1"/>
+          <p:nvPr/>
+        </p:nvSpPr>
+        <p:spPr>
+          <a:xfrm>
+            <a:off x="568642" y="2324149"/>
+            <a:ext cx="9989819" cy="708592"/>
+          </a:xfrm>
+          <a:prstGeom prst="rect">
+            <a:avLst/>
+          </a:prstGeom>
+          <a:noFill/>
+        </p:spPr>
+        <p:txBody>
+          <a:bodyPr wrap="square">
+            <a:spAutoFit/>
+          </a:bodyPr>
+          <a:lstStyle/>
+          <a:p>
+            <a:pPr marL="685800" lvl="1" indent="-228600">
+              <a:lnSpc>
+                <a:spcPct val="80000"/>
+              </a:lnSpc>
+              <a:spcBef>
+                <a:spcPts val="500"/>
+              </a:spcBef>
+              <a:buFont typeface="Arial" panose="020B0604020202020204" pitchFamily="34" charset="0"/>
+              <a:buChar char="•"/>
+            </a:pPr>
+            <a:r>
+              <a:rPr lang="en-US" sz="2200" dirty="0"/>
+              <a:t>HIV dataset is extremely imbalanced, with only ~3.5% positives. </a:t>
+            </a:r>
+          </a:p>
+          <a:p>
+            <a:pPr marL="685800" lvl="1" indent="-228600">
+              <a:lnSpc>
+                <a:spcPct val="80000"/>
+              </a:lnSpc>
+              <a:spcBef>
+                <a:spcPts val="500"/>
+              </a:spcBef>
+              <a:buFont typeface="Arial" panose="020B0604020202020204" pitchFamily="34" charset="0"/>
+              <a:buChar char="•"/>
+            </a:pPr>
+            <a:r>
+              <a:rPr lang="en-US" sz="2200" dirty="0"/>
+              <a:t>That makes the use of Focal Loss and ROC-AUC evaluation justified.</a:t>
+            </a:r>
+          </a:p>
+        </p:txBody>
+      </p:sp>
+    </p:spTree>
+    <p:extLst>
+      <p:ext uri="{BB962C8B-B14F-4D97-AF65-F5344CB8AC3E}">
+        <p14:creationId xmlns:p14="http://schemas.microsoft.com/office/powerpoint/2010/main" val="2771293663"/>
+      </p:ext>
+    </p:extLst>
+  </p:cSld>
+  <p:clrMapOvr>
+    <a:masterClrMapping/>
+  </p:clrMapOvr>
+</p:sld>
+</file>
+
+<file path=ppt/slides/slide9.xml><?xml version="1.0" encoding="utf-8"?>
 <p:sld xmlns:a="http://schemas.openxmlformats.org/drawingml/2006/main" xmlns:r="http://schemas.openxmlformats.org/officeDocument/2006/relationships" xmlns:p="http://schemas.openxmlformats.org/presentationml/2006/main">
   <p:cSld>
     <p:bg>
@@ -15571,28 +17614,28 @@
           <a:lstStyle/>
           <a:p>
             <a:r>
-              <a:rPr lang="en-US" sz="2000"/>
+              <a:rPr lang="en-US" sz="2000" dirty="0"/>
               <a:t>Metric: ROC-AUC</a:t>
             </a:r>
           </a:p>
           <a:p>
             <a:r>
-              <a:rPr lang="en-US" sz="2000"/>
+              <a:rPr lang="en-US" sz="2000" dirty="0"/>
               <a:t>State-of-the-Art model: CIN++ (0.8063)</a:t>
             </a:r>
           </a:p>
           <a:p>
             <a:r>
-              <a:rPr lang="en-US" sz="2000" b="1"/>
+              <a:rPr lang="en-US" sz="2000" b="1" dirty="0"/>
               <a:t>KANG result:</a:t>
             </a:r>
             <a:r>
-              <a:rPr lang="en-US" sz="2000"/>
-              <a:t> 0.6997</a:t>
+              <a:rPr lang="en-US" sz="2000" dirty="0"/>
+              <a:t> 0.8104</a:t>
             </a:r>
           </a:p>
           <a:p>
-            <a:endParaRPr lang="en-US" sz="2000"/>
+            <a:endParaRPr lang="en-US" sz="2000" dirty="0"/>
           </a:p>
         </p:txBody>
       </p:sp>
@@ -15632,523 +17675,6 @@
     <p:extLst>
       <p:ext uri="{BB962C8B-B14F-4D97-AF65-F5344CB8AC3E}">
         <p14:creationId xmlns:p14="http://schemas.microsoft.com/office/powerpoint/2010/main" val="2180163892"/>
-      </p:ext>
-    </p:extLst>
-  </p:cSld>
-  <p:clrMapOvr>
-    <a:masterClrMapping/>
-  </p:clrMapOvr>
-</p:sld>
-</file>
-
-<file path=ppt/slides/slide7.xml><?xml version="1.0" encoding="utf-8"?>
-<p:sld xmlns:a="http://schemas.openxmlformats.org/drawingml/2006/main" xmlns:r="http://schemas.openxmlformats.org/officeDocument/2006/relationships" xmlns:p="http://schemas.openxmlformats.org/presentationml/2006/main">
-  <p:cSld>
-    <p:spTree>
-      <p:nvGrpSpPr>
-        <p:cNvPr id="1" name="">
-          <a:extLst>
-            <a:ext uri="{FF2B5EF4-FFF2-40B4-BE49-F238E27FC236}">
-              <a16:creationId xmlns:a16="http://schemas.microsoft.com/office/drawing/2014/main" id="{0A3CFF0F-A54E-967F-DBE8-3DC87E4760BD}"/>
-            </a:ext>
-          </a:extLst>
-        </p:cNvPr>
-        <p:cNvGrpSpPr/>
-        <p:nvPr/>
-      </p:nvGrpSpPr>
-      <p:grpSpPr>
-        <a:xfrm>
-          <a:off x="0" y="0"/>
-          <a:ext cx="0" cy="0"/>
-          <a:chOff x="0" y="0"/>
-          <a:chExt cx="0" cy="0"/>
-        </a:xfrm>
-      </p:grpSpPr>
-      <p:sp>
-        <p:nvSpPr>
-          <p:cNvPr id="2" name="Title 1">
-            <a:extLst>
-              <a:ext uri="{FF2B5EF4-FFF2-40B4-BE49-F238E27FC236}">
-                <a16:creationId xmlns:a16="http://schemas.microsoft.com/office/drawing/2014/main" id="{01FA7C0B-8680-5C2B-16F2-F8DAB98F29BB}"/>
-              </a:ext>
-            </a:extLst>
-          </p:cNvPr>
-          <p:cNvSpPr>
-            <a:spLocks noGrp="1"/>
-          </p:cNvSpPr>
-          <p:nvPr>
-            <p:ph type="title"/>
-          </p:nvPr>
-        </p:nvSpPr>
-        <p:spPr>
-          <a:xfrm>
-            <a:off x="836679" y="723898"/>
-            <a:ext cx="6002110" cy="1495425"/>
-          </a:xfrm>
-        </p:spPr>
-        <p:txBody>
-          <a:bodyPr>
-            <a:normAutofit/>
-          </a:bodyPr>
-          <a:lstStyle/>
-          <a:p>
-            <a:r>
-              <a:rPr lang="en-US" sz="3200" b="1" dirty="0"/>
-              <a:t>Graph Classification - </a:t>
-            </a:r>
-            <a:r>
-              <a:rPr lang="en-US" sz="3200" b="1" dirty="0" err="1"/>
-              <a:t>ToxCast</a:t>
-            </a:r>
-            <a:endParaRPr lang="en-US" sz="3200" dirty="0"/>
-          </a:p>
-        </p:txBody>
-      </p:sp>
-      <p:sp>
-        <p:nvSpPr>
-          <p:cNvPr id="3" name="Content Placeholder 2">
-            <a:extLst>
-              <a:ext uri="{FF2B5EF4-FFF2-40B4-BE49-F238E27FC236}">
-                <a16:creationId xmlns:a16="http://schemas.microsoft.com/office/drawing/2014/main" id="{50FB1127-E6C0-6D8F-A4EC-51A960CDC8DE}"/>
-              </a:ext>
-            </a:extLst>
-          </p:cNvPr>
-          <p:cNvSpPr>
-            <a:spLocks noGrp="1"/>
-          </p:cNvSpPr>
-          <p:nvPr>
-            <p:ph idx="1"/>
-          </p:nvPr>
-        </p:nvSpPr>
-        <p:spPr>
-          <a:xfrm>
-            <a:off x="836680" y="2405067"/>
-            <a:ext cx="6002110" cy="3729034"/>
-          </a:xfrm>
-        </p:spPr>
-        <p:txBody>
-          <a:bodyPr>
-            <a:normAutofit/>
-          </a:bodyPr>
-          <a:lstStyle/>
-          <a:p>
-            <a:r>
-              <a:rPr lang="en-US" sz="2000" dirty="0"/>
-              <a:t>5 selected binary tasks from 617</a:t>
-            </a:r>
-          </a:p>
-          <a:p>
-            <a:r>
-              <a:rPr lang="en-US" sz="2000" dirty="0"/>
-              <a:t>Tasks include: </a:t>
-            </a:r>
-            <a:r>
-              <a:rPr lang="en-US" sz="2000" dirty="0" err="1"/>
-              <a:t>AhR</a:t>
-            </a:r>
-            <a:r>
-              <a:rPr lang="en-US" sz="2000" dirty="0"/>
-              <a:t>, Aromatase, </a:t>
-            </a:r>
-            <a:r>
-              <a:rPr lang="en-US" sz="2000" dirty="0" err="1"/>
-              <a:t>AutoFluor</a:t>
-            </a:r>
-            <a:r>
-              <a:rPr lang="en-US" sz="2000" dirty="0"/>
-              <a:t>, p53 (2 types)</a:t>
-            </a:r>
-          </a:p>
-          <a:p>
-            <a:r>
-              <a:rPr lang="en-US" sz="2000" dirty="0"/>
-              <a:t>State-of-the-Art model: </a:t>
-            </a:r>
-            <a:r>
-              <a:rPr lang="en-US" sz="2000" dirty="0" err="1"/>
-              <a:t>DumplingGNN</a:t>
-            </a:r>
-            <a:r>
-              <a:rPr lang="en-US" sz="2000" dirty="0"/>
-              <a:t> (0.782)</a:t>
-            </a:r>
-          </a:p>
-          <a:p>
-            <a:r>
-              <a:rPr lang="en-US" sz="2000" b="1" dirty="0"/>
-              <a:t>KANG average result:</a:t>
-            </a:r>
-            <a:r>
-              <a:rPr lang="en-US" sz="2000" dirty="0"/>
-              <a:t> 0.7896</a:t>
-            </a:r>
-          </a:p>
-        </p:txBody>
-      </p:sp>
-      <p:pic>
-        <p:nvPicPr>
-          <p:cNvPr id="4" name="Image 0" descr="preencoded.png">
-            <a:extLst>
-              <a:ext uri="{FF2B5EF4-FFF2-40B4-BE49-F238E27FC236}">
-                <a16:creationId xmlns:a16="http://schemas.microsoft.com/office/drawing/2014/main" id="{8F757E77-528B-72E1-B233-9758C5B4F5B1}"/>
-              </a:ext>
-            </a:extLst>
-          </p:cNvPr>
-          <p:cNvPicPr>
-            <a:picLocks noChangeAspect="1"/>
-          </p:cNvPicPr>
-          <p:nvPr/>
-        </p:nvPicPr>
-        <p:blipFill>
-          <a:blip r:embed="rId2"/>
-          <a:srcRect t="8309" r="1" b="1"/>
-          <a:stretch>
-            <a:fillRect/>
-          </a:stretch>
-        </p:blipFill>
-        <p:spPr>
-          <a:xfrm>
-            <a:off x="7199440" y="10"/>
-            <a:ext cx="4992560" cy="6857990"/>
-          </a:xfrm>
-          <a:prstGeom prst="rect">
-            <a:avLst/>
-          </a:prstGeom>
-          <a:effectLst/>
-        </p:spPr>
-      </p:pic>
-    </p:spTree>
-    <p:extLst>
-      <p:ext uri="{BB962C8B-B14F-4D97-AF65-F5344CB8AC3E}">
-        <p14:creationId xmlns:p14="http://schemas.microsoft.com/office/powerpoint/2010/main" val="2669818620"/>
-      </p:ext>
-    </p:extLst>
-  </p:cSld>
-  <p:clrMapOvr>
-    <a:masterClrMapping/>
-  </p:clrMapOvr>
-</p:sld>
-</file>
-
-<file path=ppt/slides/slide8.xml><?xml version="1.0" encoding="utf-8"?>
-<p:sld xmlns:a="http://schemas.openxmlformats.org/drawingml/2006/main" xmlns:r="http://schemas.openxmlformats.org/officeDocument/2006/relationships" xmlns:p="http://schemas.openxmlformats.org/presentationml/2006/main">
-  <p:cSld>
-    <p:spTree>
-      <p:nvGrpSpPr>
-        <p:cNvPr id="1" name="">
-          <a:extLst>
-            <a:ext uri="{FF2B5EF4-FFF2-40B4-BE49-F238E27FC236}">
-              <a16:creationId xmlns:a16="http://schemas.microsoft.com/office/drawing/2014/main" id="{31F1C214-F6F7-C33F-E7D5-3ED8312326C1}"/>
-            </a:ext>
-          </a:extLst>
-        </p:cNvPr>
-        <p:cNvGrpSpPr/>
-        <p:nvPr/>
-      </p:nvGrpSpPr>
-      <p:grpSpPr>
-        <a:xfrm>
-          <a:off x="0" y="0"/>
-          <a:ext cx="0" cy="0"/>
-          <a:chOff x="0" y="0"/>
-          <a:chExt cx="0" cy="0"/>
-        </a:xfrm>
-      </p:grpSpPr>
-      <p:sp>
-        <p:nvSpPr>
-          <p:cNvPr id="2" name="Title 1">
-            <a:extLst>
-              <a:ext uri="{FF2B5EF4-FFF2-40B4-BE49-F238E27FC236}">
-                <a16:creationId xmlns:a16="http://schemas.microsoft.com/office/drawing/2014/main" id="{E500DAF5-4340-739F-9330-D60E936E72A8}"/>
-              </a:ext>
-            </a:extLst>
-          </p:cNvPr>
-          <p:cNvSpPr>
-            <a:spLocks noGrp="1"/>
-          </p:cNvSpPr>
-          <p:nvPr>
-            <p:ph type="title"/>
-          </p:nvPr>
-        </p:nvSpPr>
-        <p:spPr>
-          <a:xfrm>
-            <a:off x="836679" y="723898"/>
-            <a:ext cx="6002110" cy="1495425"/>
-          </a:xfrm>
-        </p:spPr>
-        <p:txBody>
-          <a:bodyPr>
-            <a:normAutofit/>
-          </a:bodyPr>
-          <a:lstStyle/>
-          <a:p>
-            <a:r>
-              <a:rPr lang="en-US" sz="4000" b="1" dirty="0"/>
-              <a:t>Graph Regression - QM8</a:t>
-            </a:r>
-          </a:p>
-        </p:txBody>
-      </p:sp>
-      <p:sp>
-        <p:nvSpPr>
-          <p:cNvPr id="3" name="Content Placeholder 2">
-            <a:extLst>
-              <a:ext uri="{FF2B5EF4-FFF2-40B4-BE49-F238E27FC236}">
-                <a16:creationId xmlns:a16="http://schemas.microsoft.com/office/drawing/2014/main" id="{CB623AED-7A2A-29BD-D52E-E3881AFB0988}"/>
-              </a:ext>
-            </a:extLst>
-          </p:cNvPr>
-          <p:cNvSpPr>
-            <a:spLocks noGrp="1"/>
-          </p:cNvSpPr>
-          <p:nvPr>
-            <p:ph idx="1"/>
-          </p:nvPr>
-        </p:nvSpPr>
-        <p:spPr>
-          <a:xfrm>
-            <a:off x="836680" y="2405067"/>
-            <a:ext cx="6002110" cy="3729034"/>
-          </a:xfrm>
-        </p:spPr>
-        <p:txBody>
-          <a:bodyPr>
-            <a:normAutofit/>
-          </a:bodyPr>
-          <a:lstStyle/>
-          <a:p>
-            <a:r>
-              <a:rPr lang="en-US" sz="2000" dirty="0"/>
-              <a:t>12 quantum mechanical tasks</a:t>
-            </a:r>
-          </a:p>
-          <a:p>
-            <a:r>
-              <a:rPr lang="en-US" sz="2000" dirty="0"/>
-              <a:t>Metric: MAE</a:t>
-            </a:r>
-          </a:p>
-          <a:p>
-            <a:r>
-              <a:rPr lang="en-US" sz="2000" dirty="0" err="1"/>
-              <a:t>SoTA</a:t>
-            </a:r>
-            <a:r>
-              <a:rPr lang="en-US" sz="2000" dirty="0"/>
-              <a:t>: D-MPNN (0.0190)</a:t>
-            </a:r>
-          </a:p>
-          <a:p>
-            <a:r>
-              <a:rPr lang="en-US" sz="2000" b="1" dirty="0"/>
-              <a:t>KANG average result:</a:t>
-            </a:r>
-            <a:r>
-              <a:rPr lang="en-US" sz="2000" dirty="0"/>
-              <a:t> 0.0221</a:t>
-            </a:r>
-          </a:p>
-        </p:txBody>
-      </p:sp>
-      <p:pic>
-        <p:nvPicPr>
-          <p:cNvPr id="4" name="Image 0" descr="preencoded.png">
-            <a:extLst>
-              <a:ext uri="{FF2B5EF4-FFF2-40B4-BE49-F238E27FC236}">
-                <a16:creationId xmlns:a16="http://schemas.microsoft.com/office/drawing/2014/main" id="{E6FB226C-278F-3D1D-B5CE-3774E9038EDA}"/>
-              </a:ext>
-            </a:extLst>
-          </p:cNvPr>
-          <p:cNvPicPr>
-            <a:picLocks noChangeAspect="1"/>
-          </p:cNvPicPr>
-          <p:nvPr/>
-        </p:nvPicPr>
-        <p:blipFill>
-          <a:blip r:embed="rId2"/>
-          <a:srcRect t="8309" r="1" b="1"/>
-          <a:stretch>
-            <a:fillRect/>
-          </a:stretch>
-        </p:blipFill>
-        <p:spPr>
-          <a:xfrm>
-            <a:off x="7199440" y="10"/>
-            <a:ext cx="4992560" cy="6857990"/>
-          </a:xfrm>
-          <a:prstGeom prst="rect">
-            <a:avLst/>
-          </a:prstGeom>
-          <a:effectLst/>
-        </p:spPr>
-      </p:pic>
-    </p:spTree>
-    <p:extLst>
-      <p:ext uri="{BB962C8B-B14F-4D97-AF65-F5344CB8AC3E}">
-        <p14:creationId xmlns:p14="http://schemas.microsoft.com/office/powerpoint/2010/main" val="907266164"/>
-      </p:ext>
-    </p:extLst>
-  </p:cSld>
-  <p:clrMapOvr>
-    <a:masterClrMapping/>
-  </p:clrMapOvr>
-</p:sld>
-</file>
-
-<file path=ppt/slides/slide9.xml><?xml version="1.0" encoding="utf-8"?>
-<p:sld xmlns:a="http://schemas.openxmlformats.org/drawingml/2006/main" xmlns:r="http://schemas.openxmlformats.org/officeDocument/2006/relationships" xmlns:p="http://schemas.openxmlformats.org/presentationml/2006/main">
-  <p:cSld>
-    <p:spTree>
-      <p:nvGrpSpPr>
-        <p:cNvPr id="1" name="">
-          <a:extLst>
-            <a:ext uri="{FF2B5EF4-FFF2-40B4-BE49-F238E27FC236}">
-              <a16:creationId xmlns:a16="http://schemas.microsoft.com/office/drawing/2014/main" id="{9A05E1E9-C988-F24C-7B06-53803718B24B}"/>
-            </a:ext>
-          </a:extLst>
-        </p:cNvPr>
-        <p:cNvGrpSpPr/>
-        <p:nvPr/>
-      </p:nvGrpSpPr>
-      <p:grpSpPr>
-        <a:xfrm>
-          <a:off x="0" y="0"/>
-          <a:ext cx="0" cy="0"/>
-          <a:chOff x="0" y="0"/>
-          <a:chExt cx="0" cy="0"/>
-        </a:xfrm>
-      </p:grpSpPr>
-      <p:sp>
-        <p:nvSpPr>
-          <p:cNvPr id="2" name="Title 1">
-            <a:extLst>
-              <a:ext uri="{FF2B5EF4-FFF2-40B4-BE49-F238E27FC236}">
-                <a16:creationId xmlns:a16="http://schemas.microsoft.com/office/drawing/2014/main" id="{0076A942-19F6-7E0E-0F81-8DC8C06AD01D}"/>
-              </a:ext>
-            </a:extLst>
-          </p:cNvPr>
-          <p:cNvSpPr>
-            <a:spLocks noGrp="1"/>
-          </p:cNvSpPr>
-          <p:nvPr>
-            <p:ph type="title"/>
-          </p:nvPr>
-        </p:nvSpPr>
-        <p:spPr>
-          <a:xfrm>
-            <a:off x="836679" y="723898"/>
-            <a:ext cx="6002110" cy="1495425"/>
-          </a:xfrm>
-        </p:spPr>
-        <p:txBody>
-          <a:bodyPr>
-            <a:normAutofit/>
-          </a:bodyPr>
-          <a:lstStyle/>
-          <a:p>
-            <a:r>
-              <a:rPr lang="en-US" sz="4000" b="1" dirty="0"/>
-              <a:t>Graph Regression - QM9</a:t>
-            </a:r>
-          </a:p>
-        </p:txBody>
-      </p:sp>
-      <p:sp>
-        <p:nvSpPr>
-          <p:cNvPr id="3" name="Content Placeholder 2">
-            <a:extLst>
-              <a:ext uri="{FF2B5EF4-FFF2-40B4-BE49-F238E27FC236}">
-                <a16:creationId xmlns:a16="http://schemas.microsoft.com/office/drawing/2014/main" id="{DA5B0B6E-6288-4CBA-B585-524CE15BAE4F}"/>
-              </a:ext>
-            </a:extLst>
-          </p:cNvPr>
-          <p:cNvSpPr>
-            <a:spLocks noGrp="1"/>
-          </p:cNvSpPr>
-          <p:nvPr>
-            <p:ph idx="1"/>
-          </p:nvPr>
-        </p:nvSpPr>
-        <p:spPr>
-          <a:xfrm>
-            <a:off x="836680" y="2405067"/>
-            <a:ext cx="6002110" cy="3729034"/>
-          </a:xfrm>
-        </p:spPr>
-        <p:txBody>
-          <a:bodyPr>
-            <a:normAutofit/>
-          </a:bodyPr>
-          <a:lstStyle/>
-          <a:p>
-            <a:r>
-              <a:rPr lang="en-US" sz="2000" dirty="0"/>
-              <a:t>12 quantum chemical tasks</a:t>
-            </a:r>
-          </a:p>
-          <a:p>
-            <a:r>
-              <a:rPr lang="en-US" sz="2000" dirty="0"/>
-              <a:t>Metric: MAE</a:t>
-            </a:r>
-          </a:p>
-          <a:p>
-            <a:r>
-              <a:rPr lang="en-US" sz="2000" dirty="0" err="1"/>
-              <a:t>SoTA</a:t>
-            </a:r>
-            <a:r>
-              <a:rPr lang="en-US" sz="2000" dirty="0"/>
-              <a:t>: D-MPNN (0.00814)</a:t>
-            </a:r>
-          </a:p>
-          <a:p>
-            <a:r>
-              <a:rPr lang="en-US" sz="2000" b="1" dirty="0"/>
-              <a:t>KANG average result:</a:t>
-            </a:r>
-            <a:r>
-              <a:rPr lang="en-US" sz="2000" dirty="0"/>
-              <a:t> 7.1407</a:t>
-            </a:r>
-          </a:p>
-        </p:txBody>
-      </p:sp>
-      <p:pic>
-        <p:nvPicPr>
-          <p:cNvPr id="4" name="Image 0" descr="preencoded.png">
-            <a:extLst>
-              <a:ext uri="{FF2B5EF4-FFF2-40B4-BE49-F238E27FC236}">
-                <a16:creationId xmlns:a16="http://schemas.microsoft.com/office/drawing/2014/main" id="{D7344167-4B0C-F31B-BCDA-BE90F559F174}"/>
-              </a:ext>
-            </a:extLst>
-          </p:cNvPr>
-          <p:cNvPicPr>
-            <a:picLocks noChangeAspect="1"/>
-          </p:cNvPicPr>
-          <p:nvPr/>
-        </p:nvPicPr>
-        <p:blipFill>
-          <a:blip r:embed="rId2"/>
-          <a:srcRect t="8309" r="1" b="1"/>
-          <a:stretch>
-            <a:fillRect/>
-          </a:stretch>
-        </p:blipFill>
-        <p:spPr>
-          <a:xfrm>
-            <a:off x="7199440" y="10"/>
-            <a:ext cx="4992560" cy="6857990"/>
-          </a:xfrm>
-          <a:prstGeom prst="rect">
-            <a:avLst/>
-          </a:prstGeom>
-          <a:effectLst/>
-        </p:spPr>
-      </p:pic>
-    </p:spTree>
-    <p:extLst>
-      <p:ext uri="{BB962C8B-B14F-4D97-AF65-F5344CB8AC3E}">
-        <p14:creationId xmlns:p14="http://schemas.microsoft.com/office/powerpoint/2010/main" val="50167360"/>
       </p:ext>
     </p:extLst>
   </p:cSld>
